--- a/Google Play  Store App Download Capstone Project.pptx
+++ b/Google Play  Store App Download Capstone Project.pptx
@@ -5,7 +5,7 @@
     <p:sldMasterId id="2147483660" r:id="rId1"/>
   </p:sldMasterIdLst>
   <p:notesMasterIdLst>
-    <p:notesMasterId r:id="rId27"/>
+    <p:notesMasterId r:id="rId28"/>
   </p:notesMasterIdLst>
   <p:sldIdLst>
     <p:sldId id="256" r:id="rId2"/>
@@ -30,9 +30,10 @@
     <p:sldId id="274" r:id="rId21"/>
     <p:sldId id="291" r:id="rId22"/>
     <p:sldId id="292" r:id="rId23"/>
-    <p:sldId id="260" r:id="rId24"/>
-    <p:sldId id="268" r:id="rId25"/>
-    <p:sldId id="267" r:id="rId26"/>
+    <p:sldId id="293" r:id="rId24"/>
+    <p:sldId id="260" r:id="rId25"/>
+    <p:sldId id="268" r:id="rId26"/>
+    <p:sldId id="267" r:id="rId27"/>
   </p:sldIdLst>
   <p:sldSz cx="9144000" cy="6858000" type="screen4x3"/>
   <p:notesSz cx="6858000" cy="9144000"/>
@@ -232,7 +233,7 @@
           <a:p>
             <a:fld id="{C9900937-5B87-41FC-98E7-A74182060B5A}" type="datetimeFigureOut">
               <a:rPr lang="en-US" smtClean="0"/>
-              <a:t>2/17/2019</a:t>
+              <a:t>2/22/2019</a:t>
             </a:fld>
             <a:endParaRPr lang="en-US"/>
           </a:p>
@@ -2067,6 +2068,17 @@
           <a:bodyPr/>
           <a:lstStyle/>
           <a:p>
+            <a:pPr>
+              <a:lnSpc>
+                <a:spcPct val="200000"/>
+              </a:lnSpc>
+              <a:spcBef>
+                <a:spcPts val="300"/>
+              </a:spcBef>
+              <a:spcAft>
+                <a:spcPts val="300"/>
+              </a:spcAft>
+            </a:pPr>
             <a:endParaRPr lang="en-US" sz="1200" kern="1200" dirty="0">
               <a:solidFill>
                 <a:schemeClr val="tx1"/>
@@ -2105,7 +2117,7 @@
     </p:spTree>
     <p:extLst>
       <p:ext uri="{BB962C8B-B14F-4D97-AF65-F5344CB8AC3E}">
-        <p14:creationId xmlns:p14="http://schemas.microsoft.com/office/powerpoint/2010/main" val="3466415149"/>
+        <p14:creationId xmlns:p14="http://schemas.microsoft.com/office/powerpoint/2010/main" val="534228571"/>
       </p:ext>
     </p:extLst>
   </p:cSld>
@@ -2281,6 +2293,98 @@
             <a:fld id="{CF7C033A-1CDA-4365-9350-F4FB59EFE328}" type="slidenum">
               <a:rPr lang="en-US" smtClean="0"/>
               <a:t>25</a:t>
+            </a:fld>
+            <a:endParaRPr lang="en-US"/>
+          </a:p>
+        </p:txBody>
+      </p:sp>
+    </p:spTree>
+    <p:extLst>
+      <p:ext uri="{BB962C8B-B14F-4D97-AF65-F5344CB8AC3E}">
+        <p14:creationId xmlns:p14="http://schemas.microsoft.com/office/powerpoint/2010/main" val="3466415149"/>
+      </p:ext>
+    </p:extLst>
+  </p:cSld>
+  <p:clrMapOvr>
+    <a:masterClrMapping/>
+  </p:clrMapOvr>
+</p:notes>
+</file>
+
+<file path=ppt/notesSlides/notesSlide26.xml><?xml version="1.0" encoding="utf-8"?>
+<p:notes xmlns:a="http://schemas.openxmlformats.org/drawingml/2006/main" xmlns:r="http://schemas.openxmlformats.org/officeDocument/2006/relationships" xmlns:p="http://schemas.openxmlformats.org/presentationml/2006/main">
+  <p:cSld>
+    <p:spTree>
+      <p:nvGrpSpPr>
+        <p:cNvPr id="1" name=""/>
+        <p:cNvGrpSpPr/>
+        <p:nvPr/>
+      </p:nvGrpSpPr>
+      <p:grpSpPr>
+        <a:xfrm>
+          <a:off x="0" y="0"/>
+          <a:ext cx="0" cy="0"/>
+          <a:chOff x="0" y="0"/>
+          <a:chExt cx="0" cy="0"/>
+        </a:xfrm>
+      </p:grpSpPr>
+      <p:sp>
+        <p:nvSpPr>
+          <p:cNvPr id="2" name="Slide Image Placeholder 1"/>
+          <p:cNvSpPr>
+            <a:spLocks noGrp="1" noRot="1" noChangeAspect="1"/>
+          </p:cNvSpPr>
+          <p:nvPr>
+            <p:ph type="sldImg"/>
+          </p:nvPr>
+        </p:nvSpPr>
+        <p:spPr/>
+      </p:sp>
+      <p:sp>
+        <p:nvSpPr>
+          <p:cNvPr id="3" name="Notes Placeholder 2"/>
+          <p:cNvSpPr>
+            <a:spLocks noGrp="1"/>
+          </p:cNvSpPr>
+          <p:nvPr>
+            <p:ph type="body" idx="1"/>
+          </p:nvPr>
+        </p:nvSpPr>
+        <p:spPr/>
+        <p:txBody>
+          <a:bodyPr/>
+          <a:lstStyle/>
+          <a:p>
+            <a:endParaRPr lang="en-US" sz="1200" kern="1200" dirty="0">
+              <a:solidFill>
+                <a:schemeClr val="tx1"/>
+              </a:solidFill>
+              <a:effectLst/>
+              <a:latin typeface="Times New Roman" pitchFamily="18" charset="0"/>
+              <a:ea typeface="+mn-ea"/>
+              <a:cs typeface="Times New Roman" pitchFamily="18" charset="0"/>
+            </a:endParaRPr>
+          </a:p>
+        </p:txBody>
+      </p:sp>
+      <p:sp>
+        <p:nvSpPr>
+          <p:cNvPr id="4" name="Slide Number Placeholder 3"/>
+          <p:cNvSpPr>
+            <a:spLocks noGrp="1"/>
+          </p:cNvSpPr>
+          <p:nvPr>
+            <p:ph type="sldNum" sz="quarter" idx="10"/>
+          </p:nvPr>
+        </p:nvSpPr>
+        <p:spPr/>
+        <p:txBody>
+          <a:bodyPr/>
+          <a:lstStyle/>
+          <a:p>
+            <a:fld id="{CF7C033A-1CDA-4365-9350-F4FB59EFE328}" type="slidenum">
+              <a:rPr lang="en-US" smtClean="0"/>
+              <a:t>26</a:t>
             </a:fld>
             <a:endParaRPr lang="en-US"/>
           </a:p>
@@ -3182,7 +3286,7 @@
           <a:p>
             <a:fld id="{45CD243F-D34A-4E29-B033-C453F1705889}" type="datetime1">
               <a:rPr lang="en-US" smtClean="0"/>
-              <a:t>2/17/2019</a:t>
+              <a:t>2/22/2019</a:t>
             </a:fld>
             <a:endParaRPr lang="en-US"/>
           </a:p>
@@ -3351,7 +3455,7 @@
           <a:p>
             <a:fld id="{E36D0735-FE0B-4586-B975-61CF5F066EC1}" type="datetime1">
               <a:rPr lang="en-US" smtClean="0"/>
-              <a:t>2/17/2019</a:t>
+              <a:t>2/22/2019</a:t>
             </a:fld>
             <a:endParaRPr lang="en-US"/>
           </a:p>
@@ -3530,7 +3634,7 @@
           <a:p>
             <a:fld id="{7AA868F7-AE7C-4F0A-AA35-5A3F3B86EE70}" type="datetime1">
               <a:rPr lang="en-US" smtClean="0"/>
-              <a:t>2/17/2019</a:t>
+              <a:t>2/22/2019</a:t>
             </a:fld>
             <a:endParaRPr lang="en-US"/>
           </a:p>
@@ -3704,7 +3808,7 @@
           <a:p>
             <a:fld id="{618EC699-AA25-4697-99DB-BDB2B37ACE2F}" type="datetime1">
               <a:rPr lang="en-US" smtClean="0"/>
-              <a:t>2/17/2019</a:t>
+              <a:t>2/22/2019</a:t>
             </a:fld>
             <a:endParaRPr lang="en-US"/>
           </a:p>
@@ -3831,7 +3935,7 @@
           <a:p>
             <a:fld id="{A271F031-CCED-41E3-A048-39EC4718A9F9}" type="datetime1">
               <a:rPr lang="en-US" smtClean="0"/>
-              <a:t>2/17/2019</a:t>
+              <a:t>2/22/2019</a:t>
             </a:fld>
             <a:endParaRPr lang="en-US"/>
           </a:p>
@@ -4225,7 +4329,7 @@
           <a:p>
             <a:fld id="{76B7FC16-A18D-4D64-9262-B4B9B3498247}" type="datetime1">
               <a:rPr lang="en-US" smtClean="0"/>
-              <a:t>2/17/2019</a:t>
+              <a:t>2/22/2019</a:t>
             </a:fld>
             <a:endParaRPr lang="en-US"/>
           </a:p>
@@ -4718,7 +4822,7 @@
           <a:p>
             <a:fld id="{162C9574-773E-419A-A45C-83B34793C338}" type="datetime1">
               <a:rPr lang="en-US" smtClean="0"/>
-              <a:t>2/17/2019</a:t>
+              <a:t>2/22/2019</a:t>
             </a:fld>
             <a:endParaRPr lang="en-US"/>
           </a:p>
@@ -4835,7 +4939,7 @@
           <a:p>
             <a:fld id="{151EFEA1-3A18-424A-9EEF-E56BC8BB2DA5}" type="datetime1">
               <a:rPr lang="en-US" smtClean="0"/>
-              <a:t>2/17/2019</a:t>
+              <a:t>2/22/2019</a:t>
             </a:fld>
             <a:endParaRPr lang="en-US"/>
           </a:p>
@@ -4962,7 +5066,7 @@
           <a:p>
             <a:fld id="{39ECB059-2EA0-4A1B-A54C-4EC76AA10123}" type="datetime1">
               <a:rPr lang="en-US" smtClean="0"/>
-              <a:t>2/17/2019</a:t>
+              <a:t>2/22/2019</a:t>
             </a:fld>
             <a:endParaRPr lang="en-US"/>
           </a:p>
@@ -5155,7 +5259,7 @@
           <a:p>
             <a:fld id="{EDF9F689-EC82-4DFB-B327-15E22634378D}" type="datetime1">
               <a:rPr lang="en-US" smtClean="0"/>
-              <a:t>2/17/2019</a:t>
+              <a:t>2/22/2019</a:t>
             </a:fld>
             <a:endParaRPr lang="en-US"/>
           </a:p>
@@ -5542,7 +5646,7 @@
           <a:p>
             <a:fld id="{EE46676C-47AA-4D2C-85CD-E3102326768C}" type="datetime1">
               <a:rPr lang="en-US" smtClean="0"/>
-              <a:t>2/17/2019</a:t>
+              <a:t>2/22/2019</a:t>
             </a:fld>
             <a:endParaRPr lang="en-US"/>
           </a:p>
@@ -5792,7 +5896,7 @@
           <a:p>
             <a:fld id="{74F01CDE-3B38-4219-A9A1-337ECC06C9A7}" type="datetime1">
               <a:rPr lang="en-US" smtClean="0"/>
-              <a:t>2/17/2019</a:t>
+              <a:t>2/22/2019</a:t>
             </a:fld>
             <a:endParaRPr lang="en-US"/>
           </a:p>
@@ -11935,7 +12039,37 @@
                 <a:latin typeface="Times New Roman" panose="02020603050405020304" pitchFamily="18" charset="0"/>
                 <a:cs typeface="Times New Roman" panose="02020603050405020304" pitchFamily="18" charset="0"/>
               </a:rPr>
-              <a:t>The model without Reviews variable gave an accuracy of 72%, while the model with the Reviews variable gave an accuracy of 89%</a:t>
+              <a:t>The model without Reviews variable gave an accuracy of 72%, while the model with the Reviews variable </a:t>
+            </a:r>
+            <a:r>
+              <a:rPr lang="en-US" sz="1200" i="0" dirty="0" smtClean="0">
+                <a:solidFill>
+                  <a:schemeClr val="tx1"/>
+                </a:solidFill>
+                <a:latin typeface="Times New Roman" panose="02020603050405020304" pitchFamily="18" charset="0"/>
+                <a:cs typeface="Times New Roman" panose="02020603050405020304" pitchFamily="18" charset="0"/>
+              </a:rPr>
+              <a:t>included gave </a:t>
+            </a:r>
+            <a:r>
+              <a:rPr lang="en-US" sz="1200" i="0" dirty="0" smtClean="0">
+                <a:solidFill>
+                  <a:schemeClr val="tx1"/>
+                </a:solidFill>
+                <a:latin typeface="Times New Roman" panose="02020603050405020304" pitchFamily="18" charset="0"/>
+                <a:cs typeface="Times New Roman" panose="02020603050405020304" pitchFamily="18" charset="0"/>
+              </a:rPr>
+              <a:t>an accuracy of </a:t>
+            </a:r>
+            <a:r>
+              <a:rPr lang="en-US" sz="1200" i="0" dirty="0" smtClean="0">
+                <a:solidFill>
+                  <a:schemeClr val="tx1"/>
+                </a:solidFill>
+                <a:latin typeface="Times New Roman" panose="02020603050405020304" pitchFamily="18" charset="0"/>
+                <a:cs typeface="Times New Roman" panose="02020603050405020304" pitchFamily="18" charset="0"/>
+              </a:rPr>
+              <a:t>88.9%</a:t>
             </a:r>
             <a:endParaRPr lang="en-US" sz="1200" i="0" dirty="0">
               <a:solidFill>
@@ -14684,8 +14818,25 @@
                 <a:latin typeface="Times New Roman" panose="02020603050405020304" pitchFamily="18" charset="0"/>
                 <a:cs typeface="Times New Roman" panose="02020603050405020304" pitchFamily="18" charset="0"/>
               </a:rPr>
-              <a:t>When a 10 fold times 3 cross validation method was applied on the regression tree, the testing set accuracy increased to 91%</a:t>
-            </a:r>
+              <a:t>When a 10 fold times 3 cross validation method was applied on the regression tree, the testing set accuracy increased to </a:t>
+            </a:r>
+            <a:r>
+              <a:rPr lang="en-US" sz="1200" i="0" dirty="0" smtClean="0">
+                <a:solidFill>
+                  <a:schemeClr val="tx1"/>
+                </a:solidFill>
+                <a:latin typeface="Times New Roman" panose="02020603050405020304" pitchFamily="18" charset="0"/>
+                <a:cs typeface="Times New Roman" panose="02020603050405020304" pitchFamily="18" charset="0"/>
+              </a:rPr>
+              <a:t>90.75%</a:t>
+            </a:r>
+            <a:endParaRPr lang="en-US" sz="1200" i="0" dirty="0" smtClean="0">
+              <a:solidFill>
+                <a:schemeClr val="tx1"/>
+              </a:solidFill>
+              <a:latin typeface="Times New Roman" panose="02020603050405020304" pitchFamily="18" charset="0"/>
+              <a:cs typeface="Times New Roman" panose="02020603050405020304" pitchFamily="18" charset="0"/>
+            </a:endParaRPr>
           </a:p>
           <a:p>
             <a:pPr marL="171450" indent="-171450" algn="l">
@@ -17187,8 +17338,8 @@
         </p:nvSpPr>
         <p:spPr>
           <a:xfrm>
-            <a:off x="1295400" y="533400"/>
-            <a:ext cx="6400800" cy="838200"/>
+            <a:off x="1335157" y="495300"/>
+            <a:ext cx="6400800" cy="914400"/>
           </a:xfrm>
         </p:spPr>
         <p:txBody>
@@ -17202,7 +17353,7 @@
                 <a:latin typeface="Times New Roman" pitchFamily="18" charset="0"/>
                 <a:cs typeface="Times New Roman" pitchFamily="18" charset="0"/>
               </a:rPr>
-              <a:t>Summary</a:t>
+              <a:t>Random Forest model</a:t>
             </a:r>
             <a:endParaRPr lang="en-US" sz="1200" b="1" dirty="0">
               <a:latin typeface="Times New Roman" pitchFamily="18" charset="0"/>
@@ -17223,8 +17374,8 @@
         </p:nvSpPr>
         <p:spPr>
           <a:xfrm>
-            <a:off x="1447800" y="1524000"/>
-            <a:ext cx="6553200" cy="2133600"/>
+            <a:off x="1368287" y="1409700"/>
+            <a:ext cx="6553200" cy="1828800"/>
           </a:xfrm>
         </p:spPr>
         <p:txBody>
@@ -17244,74 +17395,14 @@
               <a:buChar char="•"/>
             </a:pPr>
             <a:r>
-              <a:rPr lang="en-US" sz="1400" i="0" dirty="0" smtClean="0">
+              <a:rPr lang="en-US" sz="1200" i="0" dirty="0" smtClean="0">
                 <a:solidFill>
                   <a:schemeClr val="tx1"/>
                 </a:solidFill>
                 <a:latin typeface="Times New Roman" panose="02020603050405020304" pitchFamily="18" charset="0"/>
                 <a:cs typeface="Times New Roman" panose="02020603050405020304" pitchFamily="18" charset="0"/>
               </a:rPr>
-              <a:t>The variables Rating</a:t>
-            </a:r>
-            <a:r>
-              <a:rPr lang="en-US" sz="1400" i="0" dirty="0">
-                <a:solidFill>
-                  <a:schemeClr val="tx1"/>
-                </a:solidFill>
-                <a:latin typeface="Times New Roman" panose="02020603050405020304" pitchFamily="18" charset="0"/>
-                <a:cs typeface="Times New Roman" panose="02020603050405020304" pitchFamily="18" charset="0"/>
-              </a:rPr>
-              <a:t>, Reviews, Price, </a:t>
-            </a:r>
-            <a:r>
-              <a:rPr lang="en-US" sz="1400" i="0" dirty="0" err="1">
-                <a:solidFill>
-                  <a:schemeClr val="tx1"/>
-                </a:solidFill>
-                <a:latin typeface="Times New Roman" panose="02020603050405020304" pitchFamily="18" charset="0"/>
-                <a:cs typeface="Times New Roman" panose="02020603050405020304" pitchFamily="18" charset="0"/>
-              </a:rPr>
-              <a:t>SizeKB</a:t>
-            </a:r>
-            <a:r>
-              <a:rPr lang="en-US" sz="1400" i="0" dirty="0">
-                <a:solidFill>
-                  <a:schemeClr val="tx1"/>
-                </a:solidFill>
-                <a:latin typeface="Times New Roman" panose="02020603050405020304" pitchFamily="18" charset="0"/>
-                <a:cs typeface="Times New Roman" panose="02020603050405020304" pitchFamily="18" charset="0"/>
-              </a:rPr>
-              <a:t>, and </a:t>
-            </a:r>
-            <a:r>
-              <a:rPr lang="en-US" sz="1400" i="0" dirty="0" err="1" smtClean="0">
-                <a:solidFill>
-                  <a:schemeClr val="tx1"/>
-                </a:solidFill>
-                <a:latin typeface="Times New Roman" panose="02020603050405020304" pitchFamily="18" charset="0"/>
-                <a:cs typeface="Times New Roman" panose="02020603050405020304" pitchFamily="18" charset="0"/>
-              </a:rPr>
-              <a:t>MinimumVer</a:t>
-            </a:r>
-            <a:r>
-              <a:rPr lang="en-US" sz="1400" i="0" dirty="0">
-                <a:solidFill>
-                  <a:schemeClr val="tx1"/>
-                </a:solidFill>
-                <a:latin typeface="Times New Roman" panose="02020603050405020304" pitchFamily="18" charset="0"/>
-                <a:cs typeface="Times New Roman" panose="02020603050405020304" pitchFamily="18" charset="0"/>
-              </a:rPr>
-              <a:t> </a:t>
-            </a:r>
-            <a:r>
-              <a:rPr lang="en-US" sz="1400" i="0" dirty="0" smtClean="0">
-                <a:solidFill>
-                  <a:schemeClr val="tx1"/>
-                </a:solidFill>
-                <a:latin typeface="Times New Roman" panose="02020603050405020304" pitchFamily="18" charset="0"/>
-                <a:cs typeface="Times New Roman" panose="02020603050405020304" pitchFamily="18" charset="0"/>
-              </a:rPr>
-              <a:t>were very significant in predicting number of downloads</a:t>
+              <a:t>A final random forest model of all 5 independent variables increased the predictive accuracy to 91.28%</a:t>
             </a:r>
           </a:p>
           <a:p>
@@ -17326,15 +17417,92 @@
               <a:buChar char="•"/>
             </a:pPr>
             <a:r>
-              <a:rPr lang="en-US" sz="1400" i="0" dirty="0" smtClean="0">
+              <a:rPr lang="en-US" sz="1200" i="0" dirty="0" smtClean="0">
                 <a:solidFill>
                   <a:schemeClr val="tx1"/>
                 </a:solidFill>
                 <a:latin typeface="Times New Roman" panose="02020603050405020304" pitchFamily="18" charset="0"/>
                 <a:cs typeface="Times New Roman" panose="02020603050405020304" pitchFamily="18" charset="0"/>
               </a:rPr>
-              <a:t>The most important predictor was number of reviews.</a:t>
-            </a:r>
+              <a:t>Variable influences </a:t>
+            </a:r>
+            <a:r>
+              <a:rPr lang="en-US" sz="1200" i="0" dirty="0">
+                <a:solidFill>
+                  <a:schemeClr val="tx1"/>
+                </a:solidFill>
+                <a:latin typeface="Times New Roman" panose="02020603050405020304" pitchFamily="18" charset="0"/>
+                <a:cs typeface="Times New Roman" panose="02020603050405020304" pitchFamily="18" charset="0"/>
+              </a:rPr>
+              <a:t>according to importance were </a:t>
+            </a:r>
+            <a:r>
+              <a:rPr lang="en-US" sz="1200" i="0" dirty="0">
+                <a:solidFill>
+                  <a:schemeClr val="tx1"/>
+                </a:solidFill>
+                <a:latin typeface="Times New Roman" panose="02020603050405020304" pitchFamily="18" charset="0"/>
+                <a:cs typeface="Times New Roman" panose="02020603050405020304" pitchFamily="18" charset="0"/>
+              </a:rPr>
+              <a:t>Reviews, </a:t>
+            </a:r>
+            <a:r>
+              <a:rPr lang="en-US" sz="1200" i="0" dirty="0" err="1">
+                <a:solidFill>
+                  <a:schemeClr val="tx1"/>
+                </a:solidFill>
+                <a:latin typeface="Times New Roman" panose="02020603050405020304" pitchFamily="18" charset="0"/>
+                <a:cs typeface="Times New Roman" panose="02020603050405020304" pitchFamily="18" charset="0"/>
+              </a:rPr>
+              <a:t>SizeKB</a:t>
+            </a:r>
+            <a:r>
+              <a:rPr lang="en-US" sz="1200" i="0" dirty="0">
+                <a:solidFill>
+                  <a:schemeClr val="tx1"/>
+                </a:solidFill>
+                <a:latin typeface="Times New Roman" panose="02020603050405020304" pitchFamily="18" charset="0"/>
+                <a:cs typeface="Times New Roman" panose="02020603050405020304" pitchFamily="18" charset="0"/>
+              </a:rPr>
+              <a:t>, Rating, </a:t>
+            </a:r>
+            <a:r>
+              <a:rPr lang="en-US" sz="1200" i="0" dirty="0" err="1">
+                <a:solidFill>
+                  <a:schemeClr val="tx1"/>
+                </a:solidFill>
+                <a:latin typeface="Times New Roman" panose="02020603050405020304" pitchFamily="18" charset="0"/>
+                <a:cs typeface="Times New Roman" panose="02020603050405020304" pitchFamily="18" charset="0"/>
+              </a:rPr>
+              <a:t>MinimumVer</a:t>
+            </a:r>
+            <a:r>
+              <a:rPr lang="en-US" sz="1200" i="0" dirty="0">
+                <a:solidFill>
+                  <a:schemeClr val="tx1"/>
+                </a:solidFill>
+                <a:latin typeface="Times New Roman" panose="02020603050405020304" pitchFamily="18" charset="0"/>
+                <a:cs typeface="Times New Roman" panose="02020603050405020304" pitchFamily="18" charset="0"/>
+              </a:rPr>
+              <a:t>, and </a:t>
+            </a:r>
+            <a:r>
+              <a:rPr lang="en-US" sz="1200" i="0" dirty="0" smtClean="0">
+                <a:solidFill>
+                  <a:schemeClr val="tx1"/>
+                </a:solidFill>
+                <a:latin typeface="Times New Roman" panose="02020603050405020304" pitchFamily="18" charset="0"/>
+                <a:cs typeface="Times New Roman" panose="02020603050405020304" pitchFamily="18" charset="0"/>
+              </a:rPr>
+              <a:t>Price respectively</a:t>
+            </a:r>
+            <a:endParaRPr lang="en-US" sz="1200" i="0" dirty="0">
+              <a:solidFill>
+                <a:schemeClr val="tx1"/>
+              </a:solidFill>
+              <a:latin typeface="Times New Roman" panose="02020603050405020304" pitchFamily="18" charset="0"/>
+              <a:cs typeface="Times New Roman" panose="02020603050405020304" pitchFamily="18" charset="0"/>
+            </a:endParaRPr>
           </a:p>
           <a:p>
             <a:pPr marL="171450" indent="-171450" algn="l">
@@ -17347,66 +17515,13 @@
               <a:buFont typeface="Arial" pitchFamily="34" charset="0"/>
               <a:buChar char="•"/>
             </a:pPr>
-            <a:r>
-              <a:rPr lang="en-US" sz="1400" i="0" dirty="0" smtClean="0">
-                <a:solidFill>
-                  <a:schemeClr val="tx1"/>
-                </a:solidFill>
-                <a:latin typeface="Times New Roman" panose="02020603050405020304" pitchFamily="18" charset="0"/>
-                <a:cs typeface="Times New Roman" panose="02020603050405020304" pitchFamily="18" charset="0"/>
-              </a:rPr>
-              <a:t>After sampling 3 different models (1 ordinal logistic regression models, and 2 decision trees), the final model which included </a:t>
-            </a:r>
-            <a:r>
-              <a:rPr lang="en-US" sz="1400" i="0" dirty="0">
-                <a:solidFill>
-                  <a:schemeClr val="tx1"/>
-                </a:solidFill>
-                <a:latin typeface="Times New Roman" panose="02020603050405020304" pitchFamily="18" charset="0"/>
-                <a:cs typeface="Times New Roman" panose="02020603050405020304" pitchFamily="18" charset="0"/>
-              </a:rPr>
-              <a:t>Rating, Reviews, Price, </a:t>
-            </a:r>
-            <a:r>
-              <a:rPr lang="en-US" sz="1400" i="0" dirty="0" err="1">
-                <a:solidFill>
-                  <a:schemeClr val="tx1"/>
-                </a:solidFill>
-                <a:latin typeface="Times New Roman" panose="02020603050405020304" pitchFamily="18" charset="0"/>
-                <a:cs typeface="Times New Roman" panose="02020603050405020304" pitchFamily="18" charset="0"/>
-              </a:rPr>
-              <a:t>SizeKB</a:t>
-            </a:r>
-            <a:r>
-              <a:rPr lang="en-US" sz="1400" i="0" dirty="0">
-                <a:solidFill>
-                  <a:schemeClr val="tx1"/>
-                </a:solidFill>
-                <a:latin typeface="Times New Roman" panose="02020603050405020304" pitchFamily="18" charset="0"/>
-                <a:cs typeface="Times New Roman" panose="02020603050405020304" pitchFamily="18" charset="0"/>
-              </a:rPr>
-              <a:t>, and </a:t>
-            </a:r>
-            <a:r>
-              <a:rPr lang="en-US" sz="1400" i="0" dirty="0" err="1" smtClean="0">
-                <a:solidFill>
-                  <a:schemeClr val="tx1"/>
-                </a:solidFill>
-                <a:latin typeface="Times New Roman" panose="02020603050405020304" pitchFamily="18" charset="0"/>
-                <a:cs typeface="Times New Roman" panose="02020603050405020304" pitchFamily="18" charset="0"/>
-              </a:rPr>
-              <a:t>MinimumVer</a:t>
-            </a:r>
-            <a:r>
-              <a:rPr lang="en-US" sz="1400" i="0" dirty="0" smtClean="0">
-                <a:solidFill>
-                  <a:schemeClr val="tx1"/>
-                </a:solidFill>
-                <a:latin typeface="Times New Roman" panose="02020603050405020304" pitchFamily="18" charset="0"/>
-                <a:cs typeface="Times New Roman" panose="02020603050405020304" pitchFamily="18" charset="0"/>
-              </a:rPr>
-              <a:t>, was the best as it gave an accuracy of 89%</a:t>
-            </a:r>
+            <a:endParaRPr lang="en-US" sz="1200" i="0" dirty="0">
+              <a:solidFill>
+                <a:schemeClr val="tx1"/>
+              </a:solidFill>
+              <a:latin typeface="Times New Roman" panose="02020603050405020304" pitchFamily="18" charset="0"/>
+              <a:cs typeface="Times New Roman" panose="02020603050405020304" pitchFamily="18" charset="0"/>
+            </a:endParaRPr>
           </a:p>
           <a:p>
             <a:pPr marL="171450" indent="-171450" algn="l">
@@ -17419,30 +17534,1082 @@
               <a:buFont typeface="Arial" pitchFamily="34" charset="0"/>
               <a:buChar char="•"/>
             </a:pPr>
-            <a:r>
-              <a:rPr lang="en-US" sz="1400" i="0" dirty="0" smtClean="0">
-                <a:solidFill>
-                  <a:schemeClr val="tx1"/>
-                </a:solidFill>
-                <a:latin typeface="Times New Roman" panose="02020603050405020304" pitchFamily="18" charset="0"/>
-                <a:cs typeface="Times New Roman" panose="02020603050405020304" pitchFamily="18" charset="0"/>
-              </a:rPr>
-              <a:t>The model was however improved after applying cross validation. It gave an accuracy of 91% </a:t>
-            </a:r>
-            <a:endParaRPr lang="en-US" sz="1400" i="0" dirty="0" smtClean="0">
+            <a:endParaRPr lang="en-US" sz="1200" i="0" dirty="0">
               <a:solidFill>
                 <a:schemeClr val="tx1"/>
               </a:solidFill>
-              <a:latin typeface="Times New Roman" pitchFamily="18" charset="0"/>
-              <a:cs typeface="Times New Roman" pitchFamily="18" charset="0"/>
+              <a:latin typeface="Times New Roman" panose="02020603050405020304" pitchFamily="18" charset="0"/>
+              <a:cs typeface="Times New Roman" panose="02020603050405020304" pitchFamily="18" charset="0"/>
             </a:endParaRPr>
           </a:p>
         </p:txBody>
       </p:sp>
+      <p:graphicFrame>
+        <p:nvGraphicFramePr>
+          <p:cNvPr id="4" name="Table 3"/>
+          <p:cNvGraphicFramePr>
+            <a:graphicFrameLocks noGrp="1"/>
+          </p:cNvGraphicFramePr>
+          <p:nvPr>
+            <p:extLst>
+              <p:ext uri="{D42A27DB-BD31-4B8C-83A1-F6EECF244321}">
+                <p14:modId xmlns:p14="http://schemas.microsoft.com/office/powerpoint/2010/main" val="151290901"/>
+              </p:ext>
+            </p:extLst>
+          </p:nvPr>
+        </p:nvGraphicFramePr>
+        <p:xfrm>
+          <a:off x="2438400" y="4290375"/>
+          <a:ext cx="4589463" cy="1295085"/>
+        </p:xfrm>
+        <a:graphic>
+          <a:graphicData uri="http://schemas.openxmlformats.org/drawingml/2006/table">
+            <a:tbl>
+              <a:tblPr firstRow="1" firstCol="1" bandRow="1"/>
+              <a:tblGrid>
+                <a:gridCol w="4589463"/>
+              </a:tblGrid>
+              <a:tr h="277215">
+                <a:tc>
+                  <a:txBody>
+                    <a:bodyPr/>
+                    <a:lstStyle/>
+                    <a:p>
+                      <a:pPr marL="0" marR="0" latinLnBrk="1">
+                        <a:lnSpc>
+                          <a:spcPct val="107000"/>
+                        </a:lnSpc>
+                        <a:spcBef>
+                          <a:spcPts val="0"/>
+                        </a:spcBef>
+                        <a:spcAft>
+                          <a:spcPts val="0"/>
+                        </a:spcAft>
+                        <a:tabLst>
+                          <a:tab pos="581660" algn="l"/>
+                          <a:tab pos="1163320" algn="l"/>
+                          <a:tab pos="1744980" algn="l"/>
+                          <a:tab pos="2326640" algn="l"/>
+                          <a:tab pos="2908300" algn="l"/>
+                          <a:tab pos="3489960" algn="l"/>
+                          <a:tab pos="4071620" algn="l"/>
+                          <a:tab pos="4653280" algn="l"/>
+                          <a:tab pos="5234940" algn="l"/>
+                          <a:tab pos="5816600" algn="l"/>
+                          <a:tab pos="6398260" algn="l"/>
+                          <a:tab pos="6979920" algn="l"/>
+                          <a:tab pos="7561580" algn="l"/>
+                          <a:tab pos="8143240" algn="l"/>
+                          <a:tab pos="8724900" algn="l"/>
+                          <a:tab pos="9306560" algn="l"/>
+                        </a:tabLst>
+                      </a:pPr>
+                      <a:r>
+                        <a:rPr lang="en-US" sz="1400" b="1" dirty="0">
+                          <a:solidFill>
+                            <a:srgbClr val="000000"/>
+                          </a:solidFill>
+                          <a:effectLst/>
+                          <a:latin typeface="Lucida Console" panose="020B0609040504020204" pitchFamily="49" charset="0"/>
+                          <a:ea typeface="Times New Roman" panose="02020603050405020304" pitchFamily="18" charset="0"/>
+                          <a:cs typeface="Courier New" panose="02070309020205020404" pitchFamily="49" charset="0"/>
+                        </a:rPr>
+                        <a:t>Independent Variable Order Of Importance</a:t>
+                      </a:r>
+                      <a:endParaRPr lang="en-US" sz="1100" dirty="0">
+                        <a:effectLst/>
+                        <a:latin typeface="Calibri" panose="020F0502020204030204" pitchFamily="34" charset="0"/>
+                        <a:ea typeface="Calibri" panose="020F0502020204030204" pitchFamily="34" charset="0"/>
+                        <a:cs typeface="Times New Roman" panose="02020603050405020304" pitchFamily="18" charset="0"/>
+                      </a:endParaRPr>
+                    </a:p>
+                  </a:txBody>
+                  <a:tcPr marL="68580" marR="68580" marT="0" marB="0">
+                    <a:lnL w="12700" cap="flat" cmpd="sng" algn="ctr">
+                      <a:solidFill>
+                        <a:srgbClr val="000000"/>
+                      </a:solidFill>
+                      <a:prstDash val="solid"/>
+                      <a:round/>
+                      <a:headEnd type="none" w="med" len="med"/>
+                      <a:tailEnd type="none" w="med" len="med"/>
+                    </a:lnL>
+                    <a:lnR w="12700" cap="flat" cmpd="sng" algn="ctr">
+                      <a:solidFill>
+                        <a:srgbClr val="000000"/>
+                      </a:solidFill>
+                      <a:prstDash val="solid"/>
+                      <a:round/>
+                      <a:headEnd type="none" w="med" len="med"/>
+                      <a:tailEnd type="none" w="med" len="med"/>
+                    </a:lnR>
+                    <a:lnT w="12700" cap="flat" cmpd="sng" algn="ctr">
+                      <a:solidFill>
+                        <a:srgbClr val="000000"/>
+                      </a:solidFill>
+                      <a:prstDash val="solid"/>
+                      <a:round/>
+                      <a:headEnd type="none" w="med" len="med"/>
+                      <a:tailEnd type="none" w="med" len="med"/>
+                    </a:lnT>
+                    <a:lnB w="12700" cap="flat" cmpd="sng" algn="ctr">
+                      <a:solidFill>
+                        <a:srgbClr val="000000"/>
+                      </a:solidFill>
+                      <a:prstDash val="solid"/>
+                      <a:round/>
+                      <a:headEnd type="none" w="med" len="med"/>
+                      <a:tailEnd type="none" w="med" len="med"/>
+                    </a:lnB>
+                    <a:solidFill>
+                      <a:schemeClr val="bg1"/>
+                    </a:solidFill>
+                  </a:tcPr>
+                </a:tc>
+              </a:tr>
+              <a:tr h="169645">
+                <a:tc>
+                  <a:txBody>
+                    <a:bodyPr/>
+                    <a:lstStyle/>
+                    <a:p>
+                      <a:pPr marL="0" marR="0" latinLnBrk="1">
+                        <a:lnSpc>
+                          <a:spcPts val="1125"/>
+                        </a:lnSpc>
+                        <a:spcBef>
+                          <a:spcPts val="0"/>
+                        </a:spcBef>
+                        <a:spcAft>
+                          <a:spcPts val="0"/>
+                        </a:spcAft>
+                        <a:tabLst>
+                          <a:tab pos="581660" algn="l"/>
+                          <a:tab pos="1163320" algn="l"/>
+                          <a:tab pos="1744980" algn="l"/>
+                          <a:tab pos="2326640" algn="l"/>
+                          <a:tab pos="2908300" algn="l"/>
+                          <a:tab pos="3489960" algn="l"/>
+                          <a:tab pos="4071620" algn="l"/>
+                          <a:tab pos="4653280" algn="l"/>
+                          <a:tab pos="5234940" algn="l"/>
+                          <a:tab pos="5816600" algn="l"/>
+                          <a:tab pos="6398260" algn="l"/>
+                          <a:tab pos="6979920" algn="l"/>
+                          <a:tab pos="7561580" algn="l"/>
+                          <a:tab pos="8143240" algn="l"/>
+                          <a:tab pos="8724900" algn="l"/>
+                          <a:tab pos="9306560" algn="l"/>
+                        </a:tabLst>
+                      </a:pPr>
+                      <a:r>
+                        <a:rPr lang="en-US" sz="1000">
+                          <a:solidFill>
+                            <a:srgbClr val="000000"/>
+                          </a:solidFill>
+                          <a:effectLst/>
+                          <a:latin typeface="Lucida Console" panose="020B0609040504020204" pitchFamily="49" charset="0"/>
+                          <a:ea typeface="Times New Roman" panose="02020603050405020304" pitchFamily="18" charset="0"/>
+                          <a:cs typeface="Courier New" panose="02070309020205020404" pitchFamily="49" charset="0"/>
+                        </a:rPr>
+                        <a:t>		</a:t>
+                      </a:r>
+                      <a:r>
+                        <a:rPr lang="en-US" sz="1100" b="1">
+                          <a:solidFill>
+                            <a:srgbClr val="000000"/>
+                          </a:solidFill>
+                          <a:effectLst/>
+                          <a:latin typeface="Lucida Console" panose="020B0609040504020204" pitchFamily="49" charset="0"/>
+                          <a:ea typeface="Times New Roman" panose="02020603050405020304" pitchFamily="18" charset="0"/>
+                          <a:cs typeface="Courier New" panose="02070309020205020404" pitchFamily="49" charset="0"/>
+                        </a:rPr>
+                        <a:t>MeanDecreaseGini</a:t>
+                      </a:r>
+                      <a:endParaRPr lang="en-US" sz="1100">
+                        <a:effectLst/>
+                        <a:latin typeface="Calibri" panose="020F0502020204030204" pitchFamily="34" charset="0"/>
+                        <a:ea typeface="Calibri" panose="020F0502020204030204" pitchFamily="34" charset="0"/>
+                        <a:cs typeface="Times New Roman" panose="02020603050405020304" pitchFamily="18" charset="0"/>
+                      </a:endParaRPr>
+                    </a:p>
+                  </a:txBody>
+                  <a:tcPr marL="68580" marR="68580" marT="0" marB="0">
+                    <a:lnL w="12700" cap="flat" cmpd="sng" algn="ctr">
+                      <a:solidFill>
+                        <a:srgbClr val="000000"/>
+                      </a:solidFill>
+                      <a:prstDash val="solid"/>
+                      <a:round/>
+                      <a:headEnd type="none" w="med" len="med"/>
+                      <a:tailEnd type="none" w="med" len="med"/>
+                    </a:lnL>
+                    <a:lnR w="12700" cap="flat" cmpd="sng" algn="ctr">
+                      <a:solidFill>
+                        <a:srgbClr val="000000"/>
+                      </a:solidFill>
+                      <a:prstDash val="solid"/>
+                      <a:round/>
+                      <a:headEnd type="none" w="med" len="med"/>
+                      <a:tailEnd type="none" w="med" len="med"/>
+                    </a:lnR>
+                    <a:lnT w="12700" cap="flat" cmpd="sng" algn="ctr">
+                      <a:solidFill>
+                        <a:srgbClr val="000000"/>
+                      </a:solidFill>
+                      <a:prstDash val="solid"/>
+                      <a:round/>
+                      <a:headEnd type="none" w="med" len="med"/>
+                      <a:tailEnd type="none" w="med" len="med"/>
+                    </a:lnT>
+                    <a:lnB w="12700" cap="flat" cmpd="sng" algn="ctr">
+                      <a:solidFill>
+                        <a:srgbClr val="000000"/>
+                      </a:solidFill>
+                      <a:prstDash val="solid"/>
+                      <a:round/>
+                      <a:headEnd type="none" w="med" len="med"/>
+                      <a:tailEnd type="none" w="med" len="med"/>
+                    </a:lnB>
+                    <a:solidFill>
+                      <a:schemeClr val="bg1"/>
+                    </a:solidFill>
+                  </a:tcPr>
+                </a:tc>
+              </a:tr>
+              <a:tr h="169645">
+                <a:tc>
+                  <a:txBody>
+                    <a:bodyPr/>
+                    <a:lstStyle/>
+                    <a:p>
+                      <a:pPr marL="0" marR="0" latinLnBrk="1">
+                        <a:lnSpc>
+                          <a:spcPts val="1125"/>
+                        </a:lnSpc>
+                        <a:spcBef>
+                          <a:spcPts val="0"/>
+                        </a:spcBef>
+                        <a:spcAft>
+                          <a:spcPts val="0"/>
+                        </a:spcAft>
+                        <a:tabLst>
+                          <a:tab pos="581660" algn="l"/>
+                          <a:tab pos="1163320" algn="l"/>
+                          <a:tab pos="1744980" algn="l"/>
+                          <a:tab pos="2326640" algn="l"/>
+                          <a:tab pos="2908300" algn="l"/>
+                          <a:tab pos="3489960" algn="l"/>
+                          <a:tab pos="4071620" algn="l"/>
+                          <a:tab pos="4653280" algn="l"/>
+                          <a:tab pos="5234940" algn="l"/>
+                          <a:tab pos="5816600" algn="l"/>
+                          <a:tab pos="6398260" algn="l"/>
+                          <a:tab pos="6979920" algn="l"/>
+                          <a:tab pos="7561580" algn="l"/>
+                          <a:tab pos="8143240" algn="l"/>
+                          <a:tab pos="8724900" algn="l"/>
+                          <a:tab pos="9306560" algn="l"/>
+                        </a:tabLst>
+                      </a:pPr>
+                      <a:r>
+                        <a:rPr lang="en-US" sz="1000">
+                          <a:solidFill>
+                            <a:srgbClr val="000000"/>
+                          </a:solidFill>
+                          <a:effectLst/>
+                          <a:latin typeface="Lucida Console" panose="020B0609040504020204" pitchFamily="49" charset="0"/>
+                          <a:ea typeface="Times New Roman" panose="02020603050405020304" pitchFamily="18" charset="0"/>
+                          <a:cs typeface="Courier New" panose="02070309020205020404" pitchFamily="49" charset="0"/>
+                        </a:rPr>
+                        <a:t>Reviews          2336.86128</a:t>
+                      </a:r>
+                      <a:endParaRPr lang="en-US" sz="1100">
+                        <a:effectLst/>
+                        <a:latin typeface="Calibri" panose="020F0502020204030204" pitchFamily="34" charset="0"/>
+                        <a:ea typeface="Calibri" panose="020F0502020204030204" pitchFamily="34" charset="0"/>
+                        <a:cs typeface="Times New Roman" panose="02020603050405020304" pitchFamily="18" charset="0"/>
+                      </a:endParaRPr>
+                    </a:p>
+                  </a:txBody>
+                  <a:tcPr marL="68580" marR="68580" marT="0" marB="0">
+                    <a:lnL w="12700" cap="flat" cmpd="sng" algn="ctr">
+                      <a:solidFill>
+                        <a:srgbClr val="000000"/>
+                      </a:solidFill>
+                      <a:prstDash val="solid"/>
+                      <a:round/>
+                      <a:headEnd type="none" w="med" len="med"/>
+                      <a:tailEnd type="none" w="med" len="med"/>
+                    </a:lnL>
+                    <a:lnR w="12700" cap="flat" cmpd="sng" algn="ctr">
+                      <a:solidFill>
+                        <a:srgbClr val="000000"/>
+                      </a:solidFill>
+                      <a:prstDash val="solid"/>
+                      <a:round/>
+                      <a:headEnd type="none" w="med" len="med"/>
+                      <a:tailEnd type="none" w="med" len="med"/>
+                    </a:lnR>
+                    <a:lnT w="12700" cap="flat" cmpd="sng" algn="ctr">
+                      <a:solidFill>
+                        <a:srgbClr val="000000"/>
+                      </a:solidFill>
+                      <a:prstDash val="solid"/>
+                      <a:round/>
+                      <a:headEnd type="none" w="med" len="med"/>
+                      <a:tailEnd type="none" w="med" len="med"/>
+                    </a:lnT>
+                    <a:lnB>
+                      <a:noFill/>
+                    </a:lnB>
+                    <a:solidFill>
+                      <a:schemeClr val="bg1"/>
+                    </a:solidFill>
+                  </a:tcPr>
+                </a:tc>
+              </a:tr>
+              <a:tr h="169645">
+                <a:tc>
+                  <a:txBody>
+                    <a:bodyPr/>
+                    <a:lstStyle/>
+                    <a:p>
+                      <a:pPr marL="0" marR="0" latinLnBrk="1">
+                        <a:lnSpc>
+                          <a:spcPts val="1125"/>
+                        </a:lnSpc>
+                        <a:spcBef>
+                          <a:spcPts val="0"/>
+                        </a:spcBef>
+                        <a:spcAft>
+                          <a:spcPts val="0"/>
+                        </a:spcAft>
+                        <a:tabLst>
+                          <a:tab pos="581660" algn="l"/>
+                          <a:tab pos="1163320" algn="l"/>
+                          <a:tab pos="1744980" algn="l"/>
+                          <a:tab pos="2326640" algn="l"/>
+                          <a:tab pos="2908300" algn="l"/>
+                          <a:tab pos="3489960" algn="l"/>
+                          <a:tab pos="4071620" algn="l"/>
+                          <a:tab pos="4653280" algn="l"/>
+                          <a:tab pos="5234940" algn="l"/>
+                          <a:tab pos="5816600" algn="l"/>
+                          <a:tab pos="6398260" algn="l"/>
+                          <a:tab pos="6979920" algn="l"/>
+                          <a:tab pos="7561580" algn="l"/>
+                          <a:tab pos="8143240" algn="l"/>
+                          <a:tab pos="8724900" algn="l"/>
+                          <a:tab pos="9306560" algn="l"/>
+                        </a:tabLst>
+                      </a:pPr>
+                      <a:r>
+                        <a:rPr lang="en-US" sz="1000">
+                          <a:solidFill>
+                            <a:srgbClr val="000000"/>
+                          </a:solidFill>
+                          <a:effectLst/>
+                          <a:latin typeface="Lucida Console" panose="020B0609040504020204" pitchFamily="49" charset="0"/>
+                          <a:ea typeface="Times New Roman" panose="02020603050405020304" pitchFamily="18" charset="0"/>
+                          <a:cs typeface="Courier New" panose="02070309020205020404" pitchFamily="49" charset="0"/>
+                        </a:rPr>
+                        <a:t>SizeKB            367.26198 </a:t>
+                      </a:r>
+                      <a:endParaRPr lang="en-US" sz="1100">
+                        <a:effectLst/>
+                        <a:latin typeface="Calibri" panose="020F0502020204030204" pitchFamily="34" charset="0"/>
+                        <a:ea typeface="Calibri" panose="020F0502020204030204" pitchFamily="34" charset="0"/>
+                        <a:cs typeface="Times New Roman" panose="02020603050405020304" pitchFamily="18" charset="0"/>
+                      </a:endParaRPr>
+                    </a:p>
+                  </a:txBody>
+                  <a:tcPr marL="68580" marR="68580" marT="0" marB="0">
+                    <a:lnL w="12700" cap="flat" cmpd="sng" algn="ctr">
+                      <a:solidFill>
+                        <a:srgbClr val="000000"/>
+                      </a:solidFill>
+                      <a:prstDash val="solid"/>
+                      <a:round/>
+                      <a:headEnd type="none" w="med" len="med"/>
+                      <a:tailEnd type="none" w="med" len="med"/>
+                    </a:lnL>
+                    <a:lnR w="12700" cap="flat" cmpd="sng" algn="ctr">
+                      <a:solidFill>
+                        <a:srgbClr val="000000"/>
+                      </a:solidFill>
+                      <a:prstDash val="solid"/>
+                      <a:round/>
+                      <a:headEnd type="none" w="med" len="med"/>
+                      <a:tailEnd type="none" w="med" len="med"/>
+                    </a:lnR>
+                    <a:lnT>
+                      <a:noFill/>
+                    </a:lnT>
+                    <a:lnB>
+                      <a:noFill/>
+                    </a:lnB>
+                    <a:solidFill>
+                      <a:schemeClr val="bg1"/>
+                    </a:solidFill>
+                  </a:tcPr>
+                </a:tc>
+              </a:tr>
+              <a:tr h="169645">
+                <a:tc>
+                  <a:txBody>
+                    <a:bodyPr/>
+                    <a:lstStyle/>
+                    <a:p>
+                      <a:pPr marL="0" marR="0" latinLnBrk="1">
+                        <a:lnSpc>
+                          <a:spcPts val="1125"/>
+                        </a:lnSpc>
+                        <a:spcBef>
+                          <a:spcPts val="0"/>
+                        </a:spcBef>
+                        <a:spcAft>
+                          <a:spcPts val="0"/>
+                        </a:spcAft>
+                        <a:tabLst>
+                          <a:tab pos="581660" algn="l"/>
+                          <a:tab pos="1163320" algn="l"/>
+                          <a:tab pos="1744980" algn="l"/>
+                          <a:tab pos="2326640" algn="l"/>
+                          <a:tab pos="2908300" algn="l"/>
+                          <a:tab pos="3489960" algn="l"/>
+                          <a:tab pos="4071620" algn="l"/>
+                          <a:tab pos="4653280" algn="l"/>
+                          <a:tab pos="5234940" algn="l"/>
+                          <a:tab pos="5816600" algn="l"/>
+                          <a:tab pos="6398260" algn="l"/>
+                          <a:tab pos="6979920" algn="l"/>
+                          <a:tab pos="7561580" algn="l"/>
+                          <a:tab pos="8143240" algn="l"/>
+                          <a:tab pos="8724900" algn="l"/>
+                          <a:tab pos="9306560" algn="l"/>
+                        </a:tabLst>
+                      </a:pPr>
+                      <a:r>
+                        <a:rPr lang="en-US" sz="1000">
+                          <a:solidFill>
+                            <a:srgbClr val="000000"/>
+                          </a:solidFill>
+                          <a:effectLst/>
+                          <a:latin typeface="Lucida Console" panose="020B0609040504020204" pitchFamily="49" charset="0"/>
+                          <a:ea typeface="Times New Roman" panose="02020603050405020304" pitchFamily="18" charset="0"/>
+                          <a:cs typeface="Courier New" panose="02070309020205020404" pitchFamily="49" charset="0"/>
+                        </a:rPr>
+                        <a:t>Rating            334.54551</a:t>
+                      </a:r>
+                      <a:endParaRPr lang="en-US" sz="1100">
+                        <a:effectLst/>
+                        <a:latin typeface="Calibri" panose="020F0502020204030204" pitchFamily="34" charset="0"/>
+                        <a:ea typeface="Calibri" panose="020F0502020204030204" pitchFamily="34" charset="0"/>
+                        <a:cs typeface="Times New Roman" panose="02020603050405020304" pitchFamily="18" charset="0"/>
+                      </a:endParaRPr>
+                    </a:p>
+                  </a:txBody>
+                  <a:tcPr marL="68580" marR="68580" marT="0" marB="0">
+                    <a:lnL w="12700" cap="flat" cmpd="sng" algn="ctr">
+                      <a:solidFill>
+                        <a:srgbClr val="000000"/>
+                      </a:solidFill>
+                      <a:prstDash val="solid"/>
+                      <a:round/>
+                      <a:headEnd type="none" w="med" len="med"/>
+                      <a:tailEnd type="none" w="med" len="med"/>
+                    </a:lnL>
+                    <a:lnR w="12700" cap="flat" cmpd="sng" algn="ctr">
+                      <a:solidFill>
+                        <a:srgbClr val="000000"/>
+                      </a:solidFill>
+                      <a:prstDash val="solid"/>
+                      <a:round/>
+                      <a:headEnd type="none" w="med" len="med"/>
+                      <a:tailEnd type="none" w="med" len="med"/>
+                    </a:lnR>
+                    <a:lnT>
+                      <a:noFill/>
+                    </a:lnT>
+                    <a:lnB>
+                      <a:noFill/>
+                    </a:lnB>
+                    <a:solidFill>
+                      <a:schemeClr val="bg1"/>
+                    </a:solidFill>
+                  </a:tcPr>
+                </a:tc>
+              </a:tr>
+              <a:tr h="169645">
+                <a:tc>
+                  <a:txBody>
+                    <a:bodyPr/>
+                    <a:lstStyle/>
+                    <a:p>
+                      <a:pPr marL="0" marR="0" latinLnBrk="1">
+                        <a:lnSpc>
+                          <a:spcPts val="1125"/>
+                        </a:lnSpc>
+                        <a:spcBef>
+                          <a:spcPts val="0"/>
+                        </a:spcBef>
+                        <a:spcAft>
+                          <a:spcPts val="0"/>
+                        </a:spcAft>
+                        <a:tabLst>
+                          <a:tab pos="581660" algn="l"/>
+                          <a:tab pos="1163320" algn="l"/>
+                          <a:tab pos="1744980" algn="l"/>
+                          <a:tab pos="2326640" algn="l"/>
+                          <a:tab pos="2908300" algn="l"/>
+                          <a:tab pos="3489960" algn="l"/>
+                          <a:tab pos="4071620" algn="l"/>
+                          <a:tab pos="4653280" algn="l"/>
+                          <a:tab pos="5234940" algn="l"/>
+                          <a:tab pos="5816600" algn="l"/>
+                          <a:tab pos="6398260" algn="l"/>
+                          <a:tab pos="6979920" algn="l"/>
+                          <a:tab pos="7561580" algn="l"/>
+                          <a:tab pos="8143240" algn="l"/>
+                          <a:tab pos="8724900" algn="l"/>
+                          <a:tab pos="9306560" algn="l"/>
+                        </a:tabLst>
+                      </a:pPr>
+                      <a:r>
+                        <a:rPr lang="en-US" sz="1000">
+                          <a:solidFill>
+                            <a:srgbClr val="000000"/>
+                          </a:solidFill>
+                          <a:effectLst/>
+                          <a:latin typeface="Lucida Console" panose="020B0609040504020204" pitchFamily="49" charset="0"/>
+                          <a:ea typeface="Times New Roman" panose="02020603050405020304" pitchFamily="18" charset="0"/>
+                          <a:cs typeface="Courier New" panose="02070309020205020404" pitchFamily="49" charset="0"/>
+                        </a:rPr>
+                        <a:t>MinimumVer         62.90261</a:t>
+                      </a:r>
+                      <a:endParaRPr lang="en-US" sz="1100">
+                        <a:effectLst/>
+                        <a:latin typeface="Calibri" panose="020F0502020204030204" pitchFamily="34" charset="0"/>
+                        <a:ea typeface="Calibri" panose="020F0502020204030204" pitchFamily="34" charset="0"/>
+                        <a:cs typeface="Times New Roman" panose="02020603050405020304" pitchFamily="18" charset="0"/>
+                      </a:endParaRPr>
+                    </a:p>
+                  </a:txBody>
+                  <a:tcPr marL="68580" marR="68580" marT="0" marB="0">
+                    <a:lnL w="12700" cap="flat" cmpd="sng" algn="ctr">
+                      <a:solidFill>
+                        <a:srgbClr val="000000"/>
+                      </a:solidFill>
+                      <a:prstDash val="solid"/>
+                      <a:round/>
+                      <a:headEnd type="none" w="med" len="med"/>
+                      <a:tailEnd type="none" w="med" len="med"/>
+                    </a:lnL>
+                    <a:lnR w="12700" cap="flat" cmpd="sng" algn="ctr">
+                      <a:solidFill>
+                        <a:srgbClr val="000000"/>
+                      </a:solidFill>
+                      <a:prstDash val="solid"/>
+                      <a:round/>
+                      <a:headEnd type="none" w="med" len="med"/>
+                      <a:tailEnd type="none" w="med" len="med"/>
+                    </a:lnR>
+                    <a:lnT>
+                      <a:noFill/>
+                    </a:lnT>
+                    <a:lnB>
+                      <a:noFill/>
+                    </a:lnB>
+                    <a:solidFill>
+                      <a:schemeClr val="bg1"/>
+                    </a:solidFill>
+                  </a:tcPr>
+                </a:tc>
+              </a:tr>
+              <a:tr h="169645">
+                <a:tc>
+                  <a:txBody>
+                    <a:bodyPr/>
+                    <a:lstStyle/>
+                    <a:p>
+                      <a:pPr marL="0" marR="0" latinLnBrk="1">
+                        <a:lnSpc>
+                          <a:spcPts val="1125"/>
+                        </a:lnSpc>
+                        <a:spcBef>
+                          <a:spcPts val="0"/>
+                        </a:spcBef>
+                        <a:spcAft>
+                          <a:spcPts val="0"/>
+                        </a:spcAft>
+                        <a:tabLst>
+                          <a:tab pos="581660" algn="l"/>
+                          <a:tab pos="1163320" algn="l"/>
+                          <a:tab pos="1744980" algn="l"/>
+                          <a:tab pos="2326640" algn="l"/>
+                          <a:tab pos="2908300" algn="l"/>
+                          <a:tab pos="3489960" algn="l"/>
+                          <a:tab pos="4071620" algn="l"/>
+                          <a:tab pos="4653280" algn="l"/>
+                          <a:tab pos="5234940" algn="l"/>
+                          <a:tab pos="5816600" algn="l"/>
+                          <a:tab pos="6398260" algn="l"/>
+                          <a:tab pos="6979920" algn="l"/>
+                          <a:tab pos="7561580" algn="l"/>
+                          <a:tab pos="8143240" algn="l"/>
+                          <a:tab pos="8724900" algn="l"/>
+                          <a:tab pos="9306560" algn="l"/>
+                        </a:tabLst>
+                      </a:pPr>
+                      <a:r>
+                        <a:rPr lang="en-US" sz="1000" dirty="0">
+                          <a:solidFill>
+                            <a:srgbClr val="000000"/>
+                          </a:solidFill>
+                          <a:effectLst/>
+                          <a:latin typeface="Lucida Console" panose="020B0609040504020204" pitchFamily="49" charset="0"/>
+                          <a:ea typeface="Times New Roman" panose="02020603050405020304" pitchFamily="18" charset="0"/>
+                          <a:cs typeface="Courier New" panose="02070309020205020404" pitchFamily="49" charset="0"/>
+                        </a:rPr>
+                        <a:t>Price              53.80918</a:t>
+                      </a:r>
+                      <a:endParaRPr lang="en-US" sz="1100" dirty="0">
+                        <a:effectLst/>
+                        <a:latin typeface="Calibri" panose="020F0502020204030204" pitchFamily="34" charset="0"/>
+                        <a:ea typeface="Calibri" panose="020F0502020204030204" pitchFamily="34" charset="0"/>
+                        <a:cs typeface="Times New Roman" panose="02020603050405020304" pitchFamily="18" charset="0"/>
+                      </a:endParaRPr>
+                    </a:p>
+                  </a:txBody>
+                  <a:tcPr marL="68580" marR="68580" marT="0" marB="0">
+                    <a:lnL w="12700" cap="flat" cmpd="sng" algn="ctr">
+                      <a:solidFill>
+                        <a:srgbClr val="000000"/>
+                      </a:solidFill>
+                      <a:prstDash val="solid"/>
+                      <a:round/>
+                      <a:headEnd type="none" w="med" len="med"/>
+                      <a:tailEnd type="none" w="med" len="med"/>
+                    </a:lnL>
+                    <a:lnR w="12700" cap="flat" cmpd="sng" algn="ctr">
+                      <a:solidFill>
+                        <a:srgbClr val="000000"/>
+                      </a:solidFill>
+                      <a:prstDash val="solid"/>
+                      <a:round/>
+                      <a:headEnd type="none" w="med" len="med"/>
+                      <a:tailEnd type="none" w="med" len="med"/>
+                    </a:lnR>
+                    <a:lnT>
+                      <a:noFill/>
+                    </a:lnT>
+                    <a:lnB w="12700" cap="flat" cmpd="sng" algn="ctr">
+                      <a:solidFill>
+                        <a:srgbClr val="000000"/>
+                      </a:solidFill>
+                      <a:prstDash val="solid"/>
+                      <a:round/>
+                      <a:headEnd type="none" w="med" len="med"/>
+                      <a:tailEnd type="none" w="med" len="med"/>
+                    </a:lnB>
+                    <a:solidFill>
+                      <a:schemeClr val="bg1"/>
+                    </a:solidFill>
+                  </a:tcPr>
+                </a:tc>
+              </a:tr>
+            </a:tbl>
+          </a:graphicData>
+        </a:graphic>
+      </p:graphicFrame>
+      <p:graphicFrame>
+        <p:nvGraphicFramePr>
+          <p:cNvPr id="5" name="Table 4"/>
+          <p:cNvGraphicFramePr>
+            <a:graphicFrameLocks noGrp="1"/>
+          </p:cNvGraphicFramePr>
+          <p:nvPr>
+            <p:extLst>
+              <p:ext uri="{D42A27DB-BD31-4B8C-83A1-F6EECF244321}">
+                <p14:modId xmlns:p14="http://schemas.microsoft.com/office/powerpoint/2010/main" val="3639348737"/>
+              </p:ext>
+            </p:extLst>
+          </p:nvPr>
+        </p:nvGraphicFramePr>
+        <p:xfrm>
+          <a:off x="2936944" y="2971800"/>
+          <a:ext cx="3197225" cy="1051560"/>
+        </p:xfrm>
+        <a:graphic>
+          <a:graphicData uri="http://schemas.openxmlformats.org/drawingml/2006/table">
+            <a:tbl>
+              <a:tblPr firstRow="1" firstCol="1" bandRow="1"/>
+              <a:tblGrid>
+                <a:gridCol w="3197225"/>
+              </a:tblGrid>
+              <a:tr h="0">
+                <a:tc>
+                  <a:txBody>
+                    <a:bodyPr/>
+                    <a:lstStyle/>
+                    <a:p>
+                      <a:r>
+                        <a:rPr lang="en-US" sz="1400" b="1">
+                          <a:solidFill>
+                            <a:srgbClr val="000000"/>
+                          </a:solidFill>
+                          <a:effectLst/>
+                          <a:latin typeface="Lucida Console" panose="020B0609040504020204" pitchFamily="49" charset="0"/>
+                        </a:rPr>
+                        <a:t>Random Tree Confusion Matrix</a:t>
+                      </a:r>
+                      <a:endParaRPr lang="en-US" sz="1100">
+                        <a:effectLst/>
+                        <a:latin typeface="Calibri" panose="020F0502020204030204" pitchFamily="34" charset="0"/>
+                      </a:endParaRPr>
+                    </a:p>
+                  </a:txBody>
+                  <a:tcPr marL="68580" marR="68580" marT="0" marB="0">
+                    <a:lnL w="12700" cap="flat" cmpd="sng" algn="ctr">
+                      <a:solidFill>
+                        <a:srgbClr val="000000"/>
+                      </a:solidFill>
+                      <a:prstDash val="solid"/>
+                      <a:round/>
+                      <a:headEnd type="none" w="med" len="med"/>
+                      <a:tailEnd type="none" w="med" len="med"/>
+                    </a:lnL>
+                    <a:lnR w="12700" cap="flat" cmpd="sng" algn="ctr">
+                      <a:solidFill>
+                        <a:srgbClr val="000000"/>
+                      </a:solidFill>
+                      <a:prstDash val="solid"/>
+                      <a:round/>
+                      <a:headEnd type="none" w="med" len="med"/>
+                      <a:tailEnd type="none" w="med" len="med"/>
+                    </a:lnR>
+                    <a:lnT w="12700" cap="flat" cmpd="sng" algn="ctr">
+                      <a:solidFill>
+                        <a:srgbClr val="000000"/>
+                      </a:solidFill>
+                      <a:prstDash val="solid"/>
+                      <a:round/>
+                      <a:headEnd type="none" w="med" len="med"/>
+                      <a:tailEnd type="none" w="med" len="med"/>
+                    </a:lnT>
+                    <a:lnB w="12700" cap="flat" cmpd="sng" algn="ctr">
+                      <a:solidFill>
+                        <a:srgbClr val="000000"/>
+                      </a:solidFill>
+                      <a:prstDash val="solid"/>
+                      <a:round/>
+                      <a:headEnd type="none" w="med" len="med"/>
+                      <a:tailEnd type="none" w="med" len="med"/>
+                    </a:lnB>
+                    <a:solidFill>
+                      <a:schemeClr val="bg1"/>
+                    </a:solidFill>
+                  </a:tcPr>
+                </a:tc>
+              </a:tr>
+              <a:tr h="0">
+                <a:tc>
+                  <a:txBody>
+                    <a:bodyPr/>
+                    <a:lstStyle/>
+                    <a:p>
+                      <a:r>
+                        <a:rPr lang="en-US" sz="1100" b="1">
+                          <a:solidFill>
+                            <a:srgbClr val="000000"/>
+                          </a:solidFill>
+                          <a:effectLst/>
+                          <a:latin typeface="Lucida Console" panose="020B0609040504020204" pitchFamily="49" charset="0"/>
+                        </a:rPr>
+                        <a:t>predictrandom</a:t>
+                      </a:r>
+                      <a:endParaRPr lang="en-US" sz="1100">
+                        <a:effectLst/>
+                        <a:latin typeface="Calibri" panose="020F0502020204030204" pitchFamily="34" charset="0"/>
+                      </a:endParaRPr>
+                    </a:p>
+                  </a:txBody>
+                  <a:tcPr marL="68580" marR="68580" marT="0" marB="0">
+                    <a:lnL w="12700" cap="flat" cmpd="sng" algn="ctr">
+                      <a:solidFill>
+                        <a:srgbClr val="000000"/>
+                      </a:solidFill>
+                      <a:prstDash val="solid"/>
+                      <a:round/>
+                      <a:headEnd type="none" w="med" len="med"/>
+                      <a:tailEnd type="none" w="med" len="med"/>
+                    </a:lnL>
+                    <a:lnR w="12700" cap="flat" cmpd="sng" algn="ctr">
+                      <a:solidFill>
+                        <a:srgbClr val="000000"/>
+                      </a:solidFill>
+                      <a:prstDash val="solid"/>
+                      <a:round/>
+                      <a:headEnd type="none" w="med" len="med"/>
+                      <a:tailEnd type="none" w="med" len="med"/>
+                    </a:lnR>
+                    <a:lnT w="12700" cap="flat" cmpd="sng" algn="ctr">
+                      <a:solidFill>
+                        <a:srgbClr val="000000"/>
+                      </a:solidFill>
+                      <a:prstDash val="solid"/>
+                      <a:round/>
+                      <a:headEnd type="none" w="med" len="med"/>
+                      <a:tailEnd type="none" w="med" len="med"/>
+                    </a:lnT>
+                    <a:lnB w="12700" cap="flat" cmpd="sng" algn="ctr">
+                      <a:solidFill>
+                        <a:srgbClr val="000000"/>
+                      </a:solidFill>
+                      <a:prstDash val="solid"/>
+                      <a:round/>
+                      <a:headEnd type="none" w="med" len="med"/>
+                      <a:tailEnd type="none" w="med" len="med"/>
+                    </a:lnB>
+                    <a:solidFill>
+                      <a:schemeClr val="bg1"/>
+                    </a:solidFill>
+                  </a:tcPr>
+                </a:tc>
+              </a:tr>
+              <a:tr h="0">
+                <a:tc>
+                  <a:txBody>
+                    <a:bodyPr/>
+                    <a:lstStyle/>
+                    <a:p>
+                      <a:r>
+                        <a:rPr lang="en-US" sz="1100">
+                          <a:solidFill>
+                            <a:srgbClr val="000000"/>
+                          </a:solidFill>
+                          <a:effectLst/>
+                          <a:latin typeface="Lucida Console" panose="020B0609040504020204" pitchFamily="49" charset="0"/>
+                        </a:rPr>
+                        <a:t>       1    2    3</a:t>
+                      </a:r>
+                      <a:endParaRPr lang="en-US" sz="1100">
+                        <a:effectLst/>
+                        <a:latin typeface="Calibri" panose="020F0502020204030204" pitchFamily="34" charset="0"/>
+                      </a:endParaRPr>
+                    </a:p>
+                  </a:txBody>
+                  <a:tcPr marL="68580" marR="68580" marT="0" marB="0">
+                    <a:lnL w="12700" cap="flat" cmpd="sng" algn="ctr">
+                      <a:solidFill>
+                        <a:srgbClr val="000000"/>
+                      </a:solidFill>
+                      <a:prstDash val="solid"/>
+                      <a:round/>
+                      <a:headEnd type="none" w="med" len="med"/>
+                      <a:tailEnd type="none" w="med" len="med"/>
+                    </a:lnL>
+                    <a:lnR w="12700" cap="flat" cmpd="sng" algn="ctr">
+                      <a:solidFill>
+                        <a:srgbClr val="000000"/>
+                      </a:solidFill>
+                      <a:prstDash val="solid"/>
+                      <a:round/>
+                      <a:headEnd type="none" w="med" len="med"/>
+                      <a:tailEnd type="none" w="med" len="med"/>
+                    </a:lnR>
+                    <a:lnT w="12700" cap="flat" cmpd="sng" algn="ctr">
+                      <a:solidFill>
+                        <a:srgbClr val="000000"/>
+                      </a:solidFill>
+                      <a:prstDash val="solid"/>
+                      <a:round/>
+                      <a:headEnd type="none" w="med" len="med"/>
+                      <a:tailEnd type="none" w="med" len="med"/>
+                    </a:lnT>
+                    <a:lnB>
+                      <a:noFill/>
+                    </a:lnB>
+                    <a:solidFill>
+                      <a:schemeClr val="bg1"/>
+                    </a:solidFill>
+                  </a:tcPr>
+                </a:tc>
+              </a:tr>
+              <a:tr h="0">
+                <a:tc>
+                  <a:txBody>
+                    <a:bodyPr/>
+                    <a:lstStyle/>
+                    <a:p>
+                      <a:r>
+                        <a:rPr lang="en-US" sz="1100">
+                          <a:solidFill>
+                            <a:srgbClr val="000000"/>
+                          </a:solidFill>
+                          <a:effectLst/>
+                          <a:latin typeface="Lucida Console" panose="020B0609040504020204" pitchFamily="49" charset="0"/>
+                        </a:rPr>
+                        <a:t>  1  137   57    0</a:t>
+                      </a:r>
+                      <a:endParaRPr lang="en-US" sz="1100">
+                        <a:effectLst/>
+                        <a:latin typeface="Calibri" panose="020F0502020204030204" pitchFamily="34" charset="0"/>
+                      </a:endParaRPr>
+                    </a:p>
+                  </a:txBody>
+                  <a:tcPr marL="68580" marR="68580" marT="0" marB="0">
+                    <a:lnL w="12700" cap="flat" cmpd="sng" algn="ctr">
+                      <a:solidFill>
+                        <a:srgbClr val="000000"/>
+                      </a:solidFill>
+                      <a:prstDash val="solid"/>
+                      <a:round/>
+                      <a:headEnd type="none" w="med" len="med"/>
+                      <a:tailEnd type="none" w="med" len="med"/>
+                    </a:lnL>
+                    <a:lnR w="12700" cap="flat" cmpd="sng" algn="ctr">
+                      <a:solidFill>
+                        <a:srgbClr val="000000"/>
+                      </a:solidFill>
+                      <a:prstDash val="solid"/>
+                      <a:round/>
+                      <a:headEnd type="none" w="med" len="med"/>
+                      <a:tailEnd type="none" w="med" len="med"/>
+                    </a:lnR>
+                    <a:lnT>
+                      <a:noFill/>
+                    </a:lnT>
+                    <a:lnB>
+                      <a:noFill/>
+                    </a:lnB>
+                    <a:solidFill>
+                      <a:schemeClr val="bg1"/>
+                    </a:solidFill>
+                  </a:tcPr>
+                </a:tc>
+              </a:tr>
+              <a:tr h="0">
+                <a:tc>
+                  <a:txBody>
+                    <a:bodyPr/>
+                    <a:lstStyle/>
+                    <a:p>
+                      <a:r>
+                        <a:rPr lang="en-US" sz="1100">
+                          <a:solidFill>
+                            <a:srgbClr val="000000"/>
+                          </a:solidFill>
+                          <a:effectLst/>
+                          <a:latin typeface="Lucida Console" panose="020B0609040504020204" pitchFamily="49" charset="0"/>
+                        </a:rPr>
+                        <a:t>  2   39 1648   79</a:t>
+                      </a:r>
+                      <a:endParaRPr lang="en-US" sz="1100">
+                        <a:effectLst/>
+                        <a:latin typeface="Calibri" panose="020F0502020204030204" pitchFamily="34" charset="0"/>
+                      </a:endParaRPr>
+                    </a:p>
+                  </a:txBody>
+                  <a:tcPr marL="68580" marR="68580" marT="0" marB="0">
+                    <a:lnL w="12700" cap="flat" cmpd="sng" algn="ctr">
+                      <a:solidFill>
+                        <a:srgbClr val="000000"/>
+                      </a:solidFill>
+                      <a:prstDash val="solid"/>
+                      <a:round/>
+                      <a:headEnd type="none" w="med" len="med"/>
+                      <a:tailEnd type="none" w="med" len="med"/>
+                    </a:lnL>
+                    <a:lnR w="12700" cap="flat" cmpd="sng" algn="ctr">
+                      <a:solidFill>
+                        <a:srgbClr val="000000"/>
+                      </a:solidFill>
+                      <a:prstDash val="solid"/>
+                      <a:round/>
+                      <a:headEnd type="none" w="med" len="med"/>
+                      <a:tailEnd type="none" w="med" len="med"/>
+                    </a:lnR>
+                    <a:lnT>
+                      <a:noFill/>
+                    </a:lnT>
+                    <a:lnB>
+                      <a:noFill/>
+                    </a:lnB>
+                    <a:solidFill>
+                      <a:schemeClr val="bg1"/>
+                    </a:solidFill>
+                  </a:tcPr>
+                </a:tc>
+              </a:tr>
+              <a:tr h="0">
+                <a:tc>
+                  <a:txBody>
+                    <a:bodyPr/>
+                    <a:lstStyle/>
+                    <a:p>
+                      <a:r>
+                        <a:rPr lang="en-US" sz="1100" dirty="0">
+                          <a:solidFill>
+                            <a:srgbClr val="000000"/>
+                          </a:solidFill>
+                          <a:effectLst/>
+                          <a:latin typeface="Lucida Console" panose="020B0609040504020204" pitchFamily="49" charset="0"/>
+                        </a:rPr>
+                        <a:t>  3    0   70  780</a:t>
+                      </a:r>
+                      <a:endParaRPr lang="en-US" sz="1100" dirty="0">
+                        <a:effectLst/>
+                        <a:latin typeface="Calibri" panose="020F0502020204030204" pitchFamily="34" charset="0"/>
+                      </a:endParaRPr>
+                    </a:p>
+                  </a:txBody>
+                  <a:tcPr marL="68580" marR="68580" marT="0" marB="0">
+                    <a:lnL w="12700" cap="flat" cmpd="sng" algn="ctr">
+                      <a:solidFill>
+                        <a:srgbClr val="000000"/>
+                      </a:solidFill>
+                      <a:prstDash val="solid"/>
+                      <a:round/>
+                      <a:headEnd type="none" w="med" len="med"/>
+                      <a:tailEnd type="none" w="med" len="med"/>
+                    </a:lnL>
+                    <a:lnR w="12700" cap="flat" cmpd="sng" algn="ctr">
+                      <a:solidFill>
+                        <a:srgbClr val="000000"/>
+                      </a:solidFill>
+                      <a:prstDash val="solid"/>
+                      <a:round/>
+                      <a:headEnd type="none" w="med" len="med"/>
+                      <a:tailEnd type="none" w="med" len="med"/>
+                    </a:lnR>
+                    <a:lnT>
+                      <a:noFill/>
+                    </a:lnT>
+                    <a:lnB w="12700" cap="flat" cmpd="sng" algn="ctr">
+                      <a:solidFill>
+                        <a:srgbClr val="000000"/>
+                      </a:solidFill>
+                      <a:prstDash val="solid"/>
+                      <a:round/>
+                      <a:headEnd type="none" w="med" len="med"/>
+                      <a:tailEnd type="none" w="med" len="med"/>
+                    </a:lnB>
+                    <a:solidFill>
+                      <a:schemeClr val="bg1"/>
+                    </a:solidFill>
+                  </a:tcPr>
+                </a:tc>
+              </a:tr>
+            </a:tbl>
+          </a:graphicData>
+        </a:graphic>
+      </p:graphicFrame>
     </p:spTree>
     <p:extLst>
       <p:ext uri="{BB962C8B-B14F-4D97-AF65-F5344CB8AC3E}">
-        <p14:creationId xmlns:p14="http://schemas.microsoft.com/office/powerpoint/2010/main" val="1090979210"/>
+        <p14:creationId xmlns:p14="http://schemas.microsoft.com/office/powerpoint/2010/main" val="4009650493"/>
       </p:ext>
     </p:extLst>
   </p:cSld>
@@ -17451,13 +18618,13 @@
   </p:clrMapOvr>
   <mc:AlternateContent xmlns:mc="http://schemas.openxmlformats.org/markup-compatibility/2006" xmlns:p14="http://schemas.microsoft.com/office/powerpoint/2010/main">
     <mc:Choice Requires="p14">
-      <p:transition spd="slow" p14:dur="1200">
-        <p:dissolve/>
+      <p:transition spd="slow">
+        <p14:flash/>
       </p:transition>
     </mc:Choice>
     <mc:Fallback xmlns="">
       <p:transition spd="slow">
-        <p:dissolve/>
+        <p:fade/>
       </p:transition>
     </mc:Fallback>
   </mc:AlternateContent>
@@ -17535,7 +18702,7 @@
                             </p:stCondLst>
                             <p:childTnLst>
                               <p:par>
-                                <p:cTn id="10" presetID="16" presetClass="entr" presetSubtype="21" fill="hold" grpId="0" nodeType="clickEffect">
+                                <p:cTn id="10" presetID="26" presetClass="entr" presetSubtype="0" fill="hold" grpId="0" nodeType="clickEffect">
                                   <p:stCondLst>
                                     <p:cond delay="0"/>
                                   </p:stCondLst>
@@ -17562,9 +18729,13 @@
                                         <p:strVal val="visible"/>
                                       </p:to>
                                     </p:set>
-                                    <p:animEffect transition="in" filter="barn(inVertical)">
-                                      <p:cBhvr>
-                                        <p:cTn id="12" dur="500"/>
+                                    <p:animEffect transition="in" filter="wipe(down)">
+                                      <p:cBhvr>
+                                        <p:cTn id="12" dur="580">
+                                          <p:stCondLst>
+                                            <p:cond delay="0"/>
+                                          </p:stCondLst>
+                                        </p:cTn>
                                         <p:tgtEl>
                                           <p:spTgt spid="3">
                                             <p:txEl>
@@ -17574,6 +18745,297 @@
                                         </p:tgtEl>
                                       </p:cBhvr>
                                     </p:animEffect>
+                                    <p:anim calcmode="lin" valueType="num">
+                                      <p:cBhvr>
+                                        <p:cTn id="13" dur="1822" tmFilter="0,0; 0.14,0.36; 0.43,0.73; 0.71,0.91; 1.0,1.0">
+                                          <p:stCondLst>
+                                            <p:cond delay="0"/>
+                                          </p:stCondLst>
+                                        </p:cTn>
+                                        <p:tgtEl>
+                                          <p:spTgt spid="3">
+                                            <p:txEl>
+                                              <p:pRg st="0" end="0"/>
+                                            </p:txEl>
+                                          </p:spTgt>
+                                        </p:tgtEl>
+                                        <p:attrNameLst>
+                                          <p:attrName>ppt_x</p:attrName>
+                                        </p:attrNameLst>
+                                      </p:cBhvr>
+                                      <p:tavLst>
+                                        <p:tav tm="0">
+                                          <p:val>
+                                            <p:strVal val="#ppt_x-0.25"/>
+                                          </p:val>
+                                        </p:tav>
+                                        <p:tav tm="100000">
+                                          <p:val>
+                                            <p:strVal val="#ppt_x"/>
+                                          </p:val>
+                                        </p:tav>
+                                      </p:tavLst>
+                                    </p:anim>
+                                    <p:anim calcmode="lin" valueType="num">
+                                      <p:cBhvr>
+                                        <p:cTn id="14" dur="664" tmFilter="0.0,0.0; 0.25,0.07; 0.50,0.2; 0.75,0.467; 1.0,1.0">
+                                          <p:stCondLst>
+                                            <p:cond delay="0"/>
+                                          </p:stCondLst>
+                                        </p:cTn>
+                                        <p:tgtEl>
+                                          <p:spTgt spid="3">
+                                            <p:txEl>
+                                              <p:pRg st="0" end="0"/>
+                                            </p:txEl>
+                                          </p:spTgt>
+                                        </p:tgtEl>
+                                        <p:attrNameLst>
+                                          <p:attrName>ppt_y</p:attrName>
+                                        </p:attrNameLst>
+                                      </p:cBhvr>
+                                      <p:tavLst>
+                                        <p:tav tm="0" fmla="#ppt_y-sin(pi*$)/3">
+                                          <p:val>
+                                            <p:fltVal val="0.5"/>
+                                          </p:val>
+                                        </p:tav>
+                                        <p:tav tm="100000">
+                                          <p:val>
+                                            <p:fltVal val="1"/>
+                                          </p:val>
+                                        </p:tav>
+                                      </p:tavLst>
+                                    </p:anim>
+                                    <p:anim calcmode="lin" valueType="num">
+                                      <p:cBhvr>
+                                        <p:cTn id="15" dur="664" tmFilter="0, 0; 0.125,0.2665; 0.25,0.4; 0.375,0.465; 0.5,0.5;  0.625,0.535; 0.75,0.6; 0.875,0.7335; 1,1">
+                                          <p:stCondLst>
+                                            <p:cond delay="664"/>
+                                          </p:stCondLst>
+                                        </p:cTn>
+                                        <p:tgtEl>
+                                          <p:spTgt spid="3">
+                                            <p:txEl>
+                                              <p:pRg st="0" end="0"/>
+                                            </p:txEl>
+                                          </p:spTgt>
+                                        </p:tgtEl>
+                                        <p:attrNameLst>
+                                          <p:attrName>ppt_y</p:attrName>
+                                        </p:attrNameLst>
+                                      </p:cBhvr>
+                                      <p:tavLst>
+                                        <p:tav tm="0" fmla="#ppt_y-sin(pi*$)/9">
+                                          <p:val>
+                                            <p:fltVal val="0"/>
+                                          </p:val>
+                                        </p:tav>
+                                        <p:tav tm="100000">
+                                          <p:val>
+                                            <p:fltVal val="1"/>
+                                          </p:val>
+                                        </p:tav>
+                                      </p:tavLst>
+                                    </p:anim>
+                                    <p:anim calcmode="lin" valueType="num">
+                                      <p:cBhvr>
+                                        <p:cTn id="16" dur="332" tmFilter="0, 0; 0.125,0.2665; 0.25,0.4; 0.375,0.465; 0.5,0.5;  0.625,0.535; 0.75,0.6; 0.875,0.7335; 1,1">
+                                          <p:stCondLst>
+                                            <p:cond delay="1324"/>
+                                          </p:stCondLst>
+                                        </p:cTn>
+                                        <p:tgtEl>
+                                          <p:spTgt spid="3">
+                                            <p:txEl>
+                                              <p:pRg st="0" end="0"/>
+                                            </p:txEl>
+                                          </p:spTgt>
+                                        </p:tgtEl>
+                                        <p:attrNameLst>
+                                          <p:attrName>ppt_y</p:attrName>
+                                        </p:attrNameLst>
+                                      </p:cBhvr>
+                                      <p:tavLst>
+                                        <p:tav tm="0" fmla="#ppt_y-sin(pi*$)/27">
+                                          <p:val>
+                                            <p:fltVal val="0"/>
+                                          </p:val>
+                                        </p:tav>
+                                        <p:tav tm="100000">
+                                          <p:val>
+                                            <p:fltVal val="1"/>
+                                          </p:val>
+                                        </p:tav>
+                                      </p:tavLst>
+                                    </p:anim>
+                                    <p:anim calcmode="lin" valueType="num">
+                                      <p:cBhvr>
+                                        <p:cTn id="17" dur="164" tmFilter="0, 0; 0.125,0.2665; 0.25,0.4; 0.375,0.465; 0.5,0.5;  0.625,0.535; 0.75,0.6; 0.875,0.7335; 1,1">
+                                          <p:stCondLst>
+                                            <p:cond delay="1656"/>
+                                          </p:stCondLst>
+                                        </p:cTn>
+                                        <p:tgtEl>
+                                          <p:spTgt spid="3">
+                                            <p:txEl>
+                                              <p:pRg st="0" end="0"/>
+                                            </p:txEl>
+                                          </p:spTgt>
+                                        </p:tgtEl>
+                                        <p:attrNameLst>
+                                          <p:attrName>ppt_y</p:attrName>
+                                        </p:attrNameLst>
+                                      </p:cBhvr>
+                                      <p:tavLst>
+                                        <p:tav tm="0" fmla="#ppt_y-sin(pi*$)/81">
+                                          <p:val>
+                                            <p:fltVal val="0"/>
+                                          </p:val>
+                                        </p:tav>
+                                        <p:tav tm="100000">
+                                          <p:val>
+                                            <p:fltVal val="1"/>
+                                          </p:val>
+                                        </p:tav>
+                                      </p:tavLst>
+                                    </p:anim>
+                                    <p:animScale>
+                                      <p:cBhvr>
+                                        <p:cTn id="18" dur="26">
+                                          <p:stCondLst>
+                                            <p:cond delay="650"/>
+                                          </p:stCondLst>
+                                        </p:cTn>
+                                        <p:tgtEl>
+                                          <p:spTgt spid="3">
+                                            <p:txEl>
+                                              <p:pRg st="0" end="0"/>
+                                            </p:txEl>
+                                          </p:spTgt>
+                                        </p:tgtEl>
+                                      </p:cBhvr>
+                                      <p:to x="100000" y="60000"/>
+                                    </p:animScale>
+                                    <p:animScale>
+                                      <p:cBhvr>
+                                        <p:cTn id="19" dur="166" decel="50000">
+                                          <p:stCondLst>
+                                            <p:cond delay="676"/>
+                                          </p:stCondLst>
+                                        </p:cTn>
+                                        <p:tgtEl>
+                                          <p:spTgt spid="3">
+                                            <p:txEl>
+                                              <p:pRg st="0" end="0"/>
+                                            </p:txEl>
+                                          </p:spTgt>
+                                        </p:tgtEl>
+                                      </p:cBhvr>
+                                      <p:to x="100000" y="100000"/>
+                                    </p:animScale>
+                                    <p:animScale>
+                                      <p:cBhvr>
+                                        <p:cTn id="20" dur="26">
+                                          <p:stCondLst>
+                                            <p:cond delay="1312"/>
+                                          </p:stCondLst>
+                                        </p:cTn>
+                                        <p:tgtEl>
+                                          <p:spTgt spid="3">
+                                            <p:txEl>
+                                              <p:pRg st="0" end="0"/>
+                                            </p:txEl>
+                                          </p:spTgt>
+                                        </p:tgtEl>
+                                      </p:cBhvr>
+                                      <p:to x="100000" y="80000"/>
+                                    </p:animScale>
+                                    <p:animScale>
+                                      <p:cBhvr>
+                                        <p:cTn id="21" dur="166" decel="50000">
+                                          <p:stCondLst>
+                                            <p:cond delay="1338"/>
+                                          </p:stCondLst>
+                                        </p:cTn>
+                                        <p:tgtEl>
+                                          <p:spTgt spid="3">
+                                            <p:txEl>
+                                              <p:pRg st="0" end="0"/>
+                                            </p:txEl>
+                                          </p:spTgt>
+                                        </p:tgtEl>
+                                      </p:cBhvr>
+                                      <p:to x="100000" y="100000"/>
+                                    </p:animScale>
+                                    <p:animScale>
+                                      <p:cBhvr>
+                                        <p:cTn id="22" dur="26">
+                                          <p:stCondLst>
+                                            <p:cond delay="1642"/>
+                                          </p:stCondLst>
+                                        </p:cTn>
+                                        <p:tgtEl>
+                                          <p:spTgt spid="3">
+                                            <p:txEl>
+                                              <p:pRg st="0" end="0"/>
+                                            </p:txEl>
+                                          </p:spTgt>
+                                        </p:tgtEl>
+                                      </p:cBhvr>
+                                      <p:to x="100000" y="90000"/>
+                                    </p:animScale>
+                                    <p:animScale>
+                                      <p:cBhvr>
+                                        <p:cTn id="23" dur="166" decel="50000">
+                                          <p:stCondLst>
+                                            <p:cond delay="1668"/>
+                                          </p:stCondLst>
+                                        </p:cTn>
+                                        <p:tgtEl>
+                                          <p:spTgt spid="3">
+                                            <p:txEl>
+                                              <p:pRg st="0" end="0"/>
+                                            </p:txEl>
+                                          </p:spTgt>
+                                        </p:tgtEl>
+                                      </p:cBhvr>
+                                      <p:to x="100000" y="100000"/>
+                                    </p:animScale>
+                                    <p:animScale>
+                                      <p:cBhvr>
+                                        <p:cTn id="24" dur="26">
+                                          <p:stCondLst>
+                                            <p:cond delay="1808"/>
+                                          </p:stCondLst>
+                                        </p:cTn>
+                                        <p:tgtEl>
+                                          <p:spTgt spid="3">
+                                            <p:txEl>
+                                              <p:pRg st="0" end="0"/>
+                                            </p:txEl>
+                                          </p:spTgt>
+                                        </p:tgtEl>
+                                      </p:cBhvr>
+                                      <p:to x="100000" y="95000"/>
+                                    </p:animScale>
+                                    <p:animScale>
+                                      <p:cBhvr>
+                                        <p:cTn id="25" dur="166" decel="50000">
+                                          <p:stCondLst>
+                                            <p:cond delay="1834"/>
+                                          </p:stCondLst>
+                                        </p:cTn>
+                                        <p:tgtEl>
+                                          <p:spTgt spid="3">
+                                            <p:txEl>
+                                              <p:pRg st="0" end="0"/>
+                                            </p:txEl>
+                                          </p:spTgt>
+                                        </p:tgtEl>
+                                      </p:cBhvr>
+                                      <p:to x="100000" y="100000"/>
+                                    </p:animScale>
                                   </p:childTnLst>
                                 </p:cTn>
                               </p:par>
@@ -17584,26 +19046,26 @@
                     </p:cTn>
                   </p:par>
                   <p:par>
-                    <p:cTn id="13" fill="hold">
+                    <p:cTn id="26" fill="hold">
                       <p:stCondLst>
                         <p:cond delay="indefinite"/>
                       </p:stCondLst>
                       <p:childTnLst>
                         <p:par>
-                          <p:cTn id="14" fill="hold">
+                          <p:cTn id="27" fill="hold">
                             <p:stCondLst>
                               <p:cond delay="0"/>
                             </p:stCondLst>
                             <p:childTnLst>
                               <p:par>
-                                <p:cTn id="15" presetID="16" presetClass="entr" presetSubtype="21" fill="hold" grpId="0" nodeType="clickEffect">
+                                <p:cTn id="28" presetID="26" presetClass="entr" presetSubtype="0" fill="hold" grpId="0" nodeType="clickEffect">
                                   <p:stCondLst>
                                     <p:cond delay="0"/>
                                   </p:stCondLst>
                                   <p:childTnLst>
                                     <p:set>
                                       <p:cBhvr>
-                                        <p:cTn id="16" dur="1" fill="hold">
+                                        <p:cTn id="29" dur="1" fill="hold">
                                           <p:stCondLst>
                                             <p:cond delay="0"/>
                                           </p:stCondLst>
@@ -17623,9 +19085,13 @@
                                         <p:strVal val="visible"/>
                                       </p:to>
                                     </p:set>
-                                    <p:animEffect transition="in" filter="barn(inVertical)">
-                                      <p:cBhvr>
-                                        <p:cTn id="17" dur="500"/>
+                                    <p:animEffect transition="in" filter="wipe(down)">
+                                      <p:cBhvr>
+                                        <p:cTn id="30" dur="580">
+                                          <p:stCondLst>
+                                            <p:cond delay="0"/>
+                                          </p:stCondLst>
+                                        </p:cTn>
                                         <p:tgtEl>
                                           <p:spTgt spid="3">
                                             <p:txEl>
@@ -17635,36 +19101,9 @@
                                         </p:tgtEl>
                                       </p:cBhvr>
                                     </p:animEffect>
-                                  </p:childTnLst>
-                                </p:cTn>
-                              </p:par>
-                            </p:childTnLst>
-                          </p:cTn>
-                        </p:par>
-                      </p:childTnLst>
-                    </p:cTn>
-                  </p:par>
-                  <p:par>
-                    <p:cTn id="18" fill="hold">
-                      <p:stCondLst>
-                        <p:cond delay="indefinite"/>
-                      </p:stCondLst>
-                      <p:childTnLst>
-                        <p:par>
-                          <p:cTn id="19" fill="hold">
-                            <p:stCondLst>
-                              <p:cond delay="0"/>
-                            </p:stCondLst>
-                            <p:childTnLst>
-                              <p:par>
-                                <p:cTn id="20" presetID="16" presetClass="entr" presetSubtype="21" fill="hold" grpId="0" nodeType="clickEffect">
-                                  <p:stCondLst>
-                                    <p:cond delay="0"/>
-                                  </p:stCondLst>
-                                  <p:childTnLst>
-                                    <p:set>
-                                      <p:cBhvr>
-                                        <p:cTn id="21" dur="1" fill="hold">
+                                    <p:anim calcmode="lin" valueType="num">
+                                      <p:cBhvr>
+                                        <p:cTn id="31" dur="1822" tmFilter="0,0; 0.14,0.36; 0.43,0.73; 0.71,0.91; 1.0,1.0">
                                           <p:stCondLst>
                                             <p:cond delay="0"/>
                                           </p:stCondLst>
@@ -17672,60 +19111,30 @@
                                         <p:tgtEl>
                                           <p:spTgt spid="3">
                                             <p:txEl>
-                                              <p:pRg st="2" end="2"/>
+                                              <p:pRg st="1" end="1"/>
                                             </p:txEl>
                                           </p:spTgt>
                                         </p:tgtEl>
                                         <p:attrNameLst>
-                                          <p:attrName>style.visibility</p:attrName>
+                                          <p:attrName>ppt_x</p:attrName>
                                         </p:attrNameLst>
                                       </p:cBhvr>
-                                      <p:to>
-                                        <p:strVal val="visible"/>
-                                      </p:to>
-                                    </p:set>
-                                    <p:animEffect transition="in" filter="barn(inVertical)">
-                                      <p:cBhvr>
-                                        <p:cTn id="22" dur="500"/>
-                                        <p:tgtEl>
-                                          <p:spTgt spid="3">
-                                            <p:txEl>
-                                              <p:pRg st="2" end="2"/>
-                                            </p:txEl>
-                                          </p:spTgt>
-                                        </p:tgtEl>
-                                      </p:cBhvr>
-                                    </p:animEffect>
-                                  </p:childTnLst>
-                                </p:cTn>
-                              </p:par>
-                            </p:childTnLst>
-                          </p:cTn>
-                        </p:par>
-                      </p:childTnLst>
-                    </p:cTn>
-                  </p:par>
-                  <p:par>
-                    <p:cTn id="23" fill="hold">
-                      <p:stCondLst>
-                        <p:cond delay="indefinite"/>
-                      </p:stCondLst>
-                      <p:childTnLst>
-                        <p:par>
-                          <p:cTn id="24" fill="hold">
-                            <p:stCondLst>
-                              <p:cond delay="0"/>
-                            </p:stCondLst>
-                            <p:childTnLst>
-                              <p:par>
-                                <p:cTn id="25" presetID="16" presetClass="entr" presetSubtype="21" fill="hold" grpId="0" nodeType="clickEffect">
-                                  <p:stCondLst>
-                                    <p:cond delay="0"/>
-                                  </p:stCondLst>
-                                  <p:childTnLst>
-                                    <p:set>
-                                      <p:cBhvr>
-                                        <p:cTn id="26" dur="1" fill="hold">
+                                      <p:tavLst>
+                                        <p:tav tm="0">
+                                          <p:val>
+                                            <p:strVal val="#ppt_x-0.25"/>
+                                          </p:val>
+                                        </p:tav>
+                                        <p:tav tm="100000">
+                                          <p:val>
+                                            <p:strVal val="#ppt_x"/>
+                                          </p:val>
+                                        </p:tav>
+                                      </p:tavLst>
+                                    </p:anim>
+                                    <p:anim calcmode="lin" valueType="num">
+                                      <p:cBhvr>
+                                        <p:cTn id="32" dur="664" tmFilter="0.0,0.0; 0.25,0.07; 0.50,0.2; 0.75,0.467; 1.0,1.0">
                                           <p:stCondLst>
                                             <p:cond delay="0"/>
                                           </p:stCondLst>
@@ -17733,30 +19142,256 @@
                                         <p:tgtEl>
                                           <p:spTgt spid="3">
                                             <p:txEl>
-                                              <p:pRg st="3" end="3"/>
+                                              <p:pRg st="1" end="1"/>
                                             </p:txEl>
                                           </p:spTgt>
                                         </p:tgtEl>
                                         <p:attrNameLst>
-                                          <p:attrName>style.visibility</p:attrName>
+                                          <p:attrName>ppt_y</p:attrName>
                                         </p:attrNameLst>
                                       </p:cBhvr>
-                                      <p:to>
-                                        <p:strVal val="visible"/>
-                                      </p:to>
-                                    </p:set>
-                                    <p:animEffect transition="in" filter="barn(inVertical)">
-                                      <p:cBhvr>
-                                        <p:cTn id="27" dur="500"/>
-                                        <p:tgtEl>
-                                          <p:spTgt spid="3">
-                                            <p:txEl>
-                                              <p:pRg st="3" end="3"/>
-                                            </p:txEl>
-                                          </p:spTgt>
-                                        </p:tgtEl>
-                                      </p:cBhvr>
-                                    </p:animEffect>
+                                      <p:tavLst>
+                                        <p:tav tm="0" fmla="#ppt_y-sin(pi*$)/3">
+                                          <p:val>
+                                            <p:fltVal val="0.5"/>
+                                          </p:val>
+                                        </p:tav>
+                                        <p:tav tm="100000">
+                                          <p:val>
+                                            <p:fltVal val="1"/>
+                                          </p:val>
+                                        </p:tav>
+                                      </p:tavLst>
+                                    </p:anim>
+                                    <p:anim calcmode="lin" valueType="num">
+                                      <p:cBhvr>
+                                        <p:cTn id="33" dur="664" tmFilter="0, 0; 0.125,0.2665; 0.25,0.4; 0.375,0.465; 0.5,0.5;  0.625,0.535; 0.75,0.6; 0.875,0.7335; 1,1">
+                                          <p:stCondLst>
+                                            <p:cond delay="664"/>
+                                          </p:stCondLst>
+                                        </p:cTn>
+                                        <p:tgtEl>
+                                          <p:spTgt spid="3">
+                                            <p:txEl>
+                                              <p:pRg st="1" end="1"/>
+                                            </p:txEl>
+                                          </p:spTgt>
+                                        </p:tgtEl>
+                                        <p:attrNameLst>
+                                          <p:attrName>ppt_y</p:attrName>
+                                        </p:attrNameLst>
+                                      </p:cBhvr>
+                                      <p:tavLst>
+                                        <p:tav tm="0" fmla="#ppt_y-sin(pi*$)/9">
+                                          <p:val>
+                                            <p:fltVal val="0"/>
+                                          </p:val>
+                                        </p:tav>
+                                        <p:tav tm="100000">
+                                          <p:val>
+                                            <p:fltVal val="1"/>
+                                          </p:val>
+                                        </p:tav>
+                                      </p:tavLst>
+                                    </p:anim>
+                                    <p:anim calcmode="lin" valueType="num">
+                                      <p:cBhvr>
+                                        <p:cTn id="34" dur="332" tmFilter="0, 0; 0.125,0.2665; 0.25,0.4; 0.375,0.465; 0.5,0.5;  0.625,0.535; 0.75,0.6; 0.875,0.7335; 1,1">
+                                          <p:stCondLst>
+                                            <p:cond delay="1324"/>
+                                          </p:stCondLst>
+                                        </p:cTn>
+                                        <p:tgtEl>
+                                          <p:spTgt spid="3">
+                                            <p:txEl>
+                                              <p:pRg st="1" end="1"/>
+                                            </p:txEl>
+                                          </p:spTgt>
+                                        </p:tgtEl>
+                                        <p:attrNameLst>
+                                          <p:attrName>ppt_y</p:attrName>
+                                        </p:attrNameLst>
+                                      </p:cBhvr>
+                                      <p:tavLst>
+                                        <p:tav tm="0" fmla="#ppt_y-sin(pi*$)/27">
+                                          <p:val>
+                                            <p:fltVal val="0"/>
+                                          </p:val>
+                                        </p:tav>
+                                        <p:tav tm="100000">
+                                          <p:val>
+                                            <p:fltVal val="1"/>
+                                          </p:val>
+                                        </p:tav>
+                                      </p:tavLst>
+                                    </p:anim>
+                                    <p:anim calcmode="lin" valueType="num">
+                                      <p:cBhvr>
+                                        <p:cTn id="35" dur="164" tmFilter="0, 0; 0.125,0.2665; 0.25,0.4; 0.375,0.465; 0.5,0.5;  0.625,0.535; 0.75,0.6; 0.875,0.7335; 1,1">
+                                          <p:stCondLst>
+                                            <p:cond delay="1656"/>
+                                          </p:stCondLst>
+                                        </p:cTn>
+                                        <p:tgtEl>
+                                          <p:spTgt spid="3">
+                                            <p:txEl>
+                                              <p:pRg st="1" end="1"/>
+                                            </p:txEl>
+                                          </p:spTgt>
+                                        </p:tgtEl>
+                                        <p:attrNameLst>
+                                          <p:attrName>ppt_y</p:attrName>
+                                        </p:attrNameLst>
+                                      </p:cBhvr>
+                                      <p:tavLst>
+                                        <p:tav tm="0" fmla="#ppt_y-sin(pi*$)/81">
+                                          <p:val>
+                                            <p:fltVal val="0"/>
+                                          </p:val>
+                                        </p:tav>
+                                        <p:tav tm="100000">
+                                          <p:val>
+                                            <p:fltVal val="1"/>
+                                          </p:val>
+                                        </p:tav>
+                                      </p:tavLst>
+                                    </p:anim>
+                                    <p:animScale>
+                                      <p:cBhvr>
+                                        <p:cTn id="36" dur="26">
+                                          <p:stCondLst>
+                                            <p:cond delay="650"/>
+                                          </p:stCondLst>
+                                        </p:cTn>
+                                        <p:tgtEl>
+                                          <p:spTgt spid="3">
+                                            <p:txEl>
+                                              <p:pRg st="1" end="1"/>
+                                            </p:txEl>
+                                          </p:spTgt>
+                                        </p:tgtEl>
+                                      </p:cBhvr>
+                                      <p:to x="100000" y="60000"/>
+                                    </p:animScale>
+                                    <p:animScale>
+                                      <p:cBhvr>
+                                        <p:cTn id="37" dur="166" decel="50000">
+                                          <p:stCondLst>
+                                            <p:cond delay="676"/>
+                                          </p:stCondLst>
+                                        </p:cTn>
+                                        <p:tgtEl>
+                                          <p:spTgt spid="3">
+                                            <p:txEl>
+                                              <p:pRg st="1" end="1"/>
+                                            </p:txEl>
+                                          </p:spTgt>
+                                        </p:tgtEl>
+                                      </p:cBhvr>
+                                      <p:to x="100000" y="100000"/>
+                                    </p:animScale>
+                                    <p:animScale>
+                                      <p:cBhvr>
+                                        <p:cTn id="38" dur="26">
+                                          <p:stCondLst>
+                                            <p:cond delay="1312"/>
+                                          </p:stCondLst>
+                                        </p:cTn>
+                                        <p:tgtEl>
+                                          <p:spTgt spid="3">
+                                            <p:txEl>
+                                              <p:pRg st="1" end="1"/>
+                                            </p:txEl>
+                                          </p:spTgt>
+                                        </p:tgtEl>
+                                      </p:cBhvr>
+                                      <p:to x="100000" y="80000"/>
+                                    </p:animScale>
+                                    <p:animScale>
+                                      <p:cBhvr>
+                                        <p:cTn id="39" dur="166" decel="50000">
+                                          <p:stCondLst>
+                                            <p:cond delay="1338"/>
+                                          </p:stCondLst>
+                                        </p:cTn>
+                                        <p:tgtEl>
+                                          <p:spTgt spid="3">
+                                            <p:txEl>
+                                              <p:pRg st="1" end="1"/>
+                                            </p:txEl>
+                                          </p:spTgt>
+                                        </p:tgtEl>
+                                      </p:cBhvr>
+                                      <p:to x="100000" y="100000"/>
+                                    </p:animScale>
+                                    <p:animScale>
+                                      <p:cBhvr>
+                                        <p:cTn id="40" dur="26">
+                                          <p:stCondLst>
+                                            <p:cond delay="1642"/>
+                                          </p:stCondLst>
+                                        </p:cTn>
+                                        <p:tgtEl>
+                                          <p:spTgt spid="3">
+                                            <p:txEl>
+                                              <p:pRg st="1" end="1"/>
+                                            </p:txEl>
+                                          </p:spTgt>
+                                        </p:tgtEl>
+                                      </p:cBhvr>
+                                      <p:to x="100000" y="90000"/>
+                                    </p:animScale>
+                                    <p:animScale>
+                                      <p:cBhvr>
+                                        <p:cTn id="41" dur="166" decel="50000">
+                                          <p:stCondLst>
+                                            <p:cond delay="1668"/>
+                                          </p:stCondLst>
+                                        </p:cTn>
+                                        <p:tgtEl>
+                                          <p:spTgt spid="3">
+                                            <p:txEl>
+                                              <p:pRg st="1" end="1"/>
+                                            </p:txEl>
+                                          </p:spTgt>
+                                        </p:tgtEl>
+                                      </p:cBhvr>
+                                      <p:to x="100000" y="100000"/>
+                                    </p:animScale>
+                                    <p:animScale>
+                                      <p:cBhvr>
+                                        <p:cTn id="42" dur="26">
+                                          <p:stCondLst>
+                                            <p:cond delay="1808"/>
+                                          </p:stCondLst>
+                                        </p:cTn>
+                                        <p:tgtEl>
+                                          <p:spTgt spid="3">
+                                            <p:txEl>
+                                              <p:pRg st="1" end="1"/>
+                                            </p:txEl>
+                                          </p:spTgt>
+                                        </p:tgtEl>
+                                      </p:cBhvr>
+                                      <p:to x="100000" y="95000"/>
+                                    </p:animScale>
+                                    <p:animScale>
+                                      <p:cBhvr>
+                                        <p:cTn id="43" dur="166" decel="50000">
+                                          <p:stCondLst>
+                                            <p:cond delay="1834"/>
+                                          </p:stCondLst>
+                                        </p:cTn>
+                                        <p:tgtEl>
+                                          <p:spTgt spid="3">
+                                            <p:txEl>
+                                              <p:pRg st="1" end="1"/>
+                                            </p:txEl>
+                                          </p:spTgt>
+                                        </p:tgtEl>
+                                      </p:cBhvr>
+                                      <p:to x="100000" y="100000"/>
+                                    </p:animScale>
                                   </p:childTnLst>
                                 </p:cTn>
                               </p:par>
@@ -17824,6 +19459,910 @@
         </p:nvSpPr>
         <p:spPr>
           <a:xfrm>
+            <a:off x="1371600" y="457200"/>
+            <a:ext cx="6400800" cy="838200"/>
+          </a:xfrm>
+        </p:spPr>
+        <p:txBody>
+          <a:bodyPr>
+            <a:normAutofit/>
+          </a:bodyPr>
+          <a:lstStyle/>
+          <a:p>
+            <a:r>
+              <a:rPr lang="en-US" sz="1200" b="1" dirty="0" smtClean="0">
+                <a:latin typeface="Times New Roman" pitchFamily="18" charset="0"/>
+                <a:cs typeface="Times New Roman" pitchFamily="18" charset="0"/>
+              </a:rPr>
+              <a:t>Summary</a:t>
+            </a:r>
+            <a:endParaRPr lang="en-US" sz="1200" b="1" dirty="0">
+              <a:latin typeface="Times New Roman" pitchFamily="18" charset="0"/>
+              <a:cs typeface="Times New Roman" pitchFamily="18" charset="0"/>
+            </a:endParaRPr>
+          </a:p>
+        </p:txBody>
+      </p:sp>
+      <p:sp>
+        <p:nvSpPr>
+          <p:cNvPr id="3" name="Subtitle 2"/>
+          <p:cNvSpPr>
+            <a:spLocks noGrp="1"/>
+          </p:cNvSpPr>
+          <p:nvPr>
+            <p:ph type="subTitle" idx="1"/>
+          </p:nvPr>
+        </p:nvSpPr>
+        <p:spPr>
+          <a:xfrm>
+            <a:off x="914400" y="1295400"/>
+            <a:ext cx="7391400" cy="4419600"/>
+          </a:xfrm>
+        </p:spPr>
+        <p:txBody>
+          <a:bodyPr>
+            <a:noAutofit/>
+          </a:bodyPr>
+          <a:lstStyle/>
+          <a:p>
+            <a:pPr marL="171450" indent="-171450" algn="l">
+              <a:lnSpc>
+                <a:spcPct val="200000"/>
+              </a:lnSpc>
+              <a:spcBef>
+                <a:spcPts val="0"/>
+              </a:spcBef>
+              <a:buFont typeface="Arial" pitchFamily="34" charset="0"/>
+              <a:buChar char="•"/>
+            </a:pPr>
+            <a:r>
+              <a:rPr lang="en-US" sz="1300" i="0" dirty="0" smtClean="0">
+                <a:solidFill>
+                  <a:schemeClr val="tx1"/>
+                </a:solidFill>
+                <a:latin typeface="Times New Roman" panose="02020603050405020304" pitchFamily="18" charset="0"/>
+                <a:cs typeface="Times New Roman" panose="02020603050405020304" pitchFamily="18" charset="0"/>
+              </a:rPr>
+              <a:t>The variables Rating</a:t>
+            </a:r>
+            <a:r>
+              <a:rPr lang="en-US" sz="1300" i="0" dirty="0">
+                <a:solidFill>
+                  <a:schemeClr val="tx1"/>
+                </a:solidFill>
+                <a:latin typeface="Times New Roman" panose="02020603050405020304" pitchFamily="18" charset="0"/>
+                <a:cs typeface="Times New Roman" panose="02020603050405020304" pitchFamily="18" charset="0"/>
+              </a:rPr>
+              <a:t>, Reviews, Price, </a:t>
+            </a:r>
+            <a:r>
+              <a:rPr lang="en-US" sz="1300" i="0" dirty="0" err="1">
+                <a:solidFill>
+                  <a:schemeClr val="tx1"/>
+                </a:solidFill>
+                <a:latin typeface="Times New Roman" panose="02020603050405020304" pitchFamily="18" charset="0"/>
+                <a:cs typeface="Times New Roman" panose="02020603050405020304" pitchFamily="18" charset="0"/>
+              </a:rPr>
+              <a:t>SizeKB</a:t>
+            </a:r>
+            <a:r>
+              <a:rPr lang="en-US" sz="1300" i="0" dirty="0">
+                <a:solidFill>
+                  <a:schemeClr val="tx1"/>
+                </a:solidFill>
+                <a:latin typeface="Times New Roman" panose="02020603050405020304" pitchFamily="18" charset="0"/>
+                <a:cs typeface="Times New Roman" panose="02020603050405020304" pitchFamily="18" charset="0"/>
+              </a:rPr>
+              <a:t>, and </a:t>
+            </a:r>
+            <a:r>
+              <a:rPr lang="en-US" sz="1300" i="0" dirty="0" err="1" smtClean="0">
+                <a:solidFill>
+                  <a:schemeClr val="tx1"/>
+                </a:solidFill>
+                <a:latin typeface="Times New Roman" panose="02020603050405020304" pitchFamily="18" charset="0"/>
+                <a:cs typeface="Times New Roman" panose="02020603050405020304" pitchFamily="18" charset="0"/>
+              </a:rPr>
+              <a:t>MinimumVer</a:t>
+            </a:r>
+            <a:r>
+              <a:rPr lang="en-US" sz="1300" i="0" dirty="0">
+                <a:solidFill>
+                  <a:schemeClr val="tx1"/>
+                </a:solidFill>
+                <a:latin typeface="Times New Roman" panose="02020603050405020304" pitchFamily="18" charset="0"/>
+                <a:cs typeface="Times New Roman" panose="02020603050405020304" pitchFamily="18" charset="0"/>
+              </a:rPr>
+              <a:t> </a:t>
+            </a:r>
+            <a:r>
+              <a:rPr lang="en-US" sz="1300" i="0" dirty="0" smtClean="0">
+                <a:solidFill>
+                  <a:schemeClr val="tx1"/>
+                </a:solidFill>
+                <a:latin typeface="Times New Roman" panose="02020603050405020304" pitchFamily="18" charset="0"/>
+                <a:cs typeface="Times New Roman" panose="02020603050405020304" pitchFamily="18" charset="0"/>
+              </a:rPr>
+              <a:t>were very significant in predicting number of </a:t>
+            </a:r>
+            <a:r>
+              <a:rPr lang="en-US" sz="1300" i="0" dirty="0" smtClean="0">
+                <a:solidFill>
+                  <a:schemeClr val="tx1"/>
+                </a:solidFill>
+                <a:latin typeface="Times New Roman" panose="02020603050405020304" pitchFamily="18" charset="0"/>
+                <a:cs typeface="Times New Roman" panose="02020603050405020304" pitchFamily="18" charset="0"/>
+              </a:rPr>
+              <a:t>downloads</a:t>
+            </a:r>
+            <a:endParaRPr lang="en-US" sz="1300" i="0" dirty="0" smtClean="0">
+              <a:solidFill>
+                <a:schemeClr val="tx1"/>
+              </a:solidFill>
+              <a:latin typeface="Times New Roman" panose="02020603050405020304" pitchFamily="18" charset="0"/>
+              <a:cs typeface="Times New Roman" panose="02020603050405020304" pitchFamily="18" charset="0"/>
+            </a:endParaRPr>
+          </a:p>
+          <a:p>
+            <a:pPr marL="171450" indent="-171450" algn="l">
+              <a:lnSpc>
+                <a:spcPct val="200000"/>
+              </a:lnSpc>
+              <a:spcBef>
+                <a:spcPts val="0"/>
+              </a:spcBef>
+              <a:buFont typeface="Arial" pitchFamily="34" charset="0"/>
+              <a:buChar char="•"/>
+            </a:pPr>
+            <a:r>
+              <a:rPr lang="en-US" sz="1300" i="0" dirty="0" smtClean="0">
+                <a:solidFill>
+                  <a:schemeClr val="tx1"/>
+                </a:solidFill>
+                <a:latin typeface="Times New Roman" panose="02020603050405020304" pitchFamily="18" charset="0"/>
+                <a:cs typeface="Times New Roman" panose="02020603050405020304" pitchFamily="18" charset="0"/>
+              </a:rPr>
+              <a:t>After sampling </a:t>
+            </a:r>
+            <a:r>
+              <a:rPr lang="en-US" sz="1300" i="0" dirty="0" smtClean="0">
+                <a:solidFill>
+                  <a:schemeClr val="tx1"/>
+                </a:solidFill>
+                <a:latin typeface="Times New Roman" panose="02020603050405020304" pitchFamily="18" charset="0"/>
+                <a:cs typeface="Times New Roman" panose="02020603050405020304" pitchFamily="18" charset="0"/>
+              </a:rPr>
+              <a:t>3 </a:t>
+            </a:r>
+            <a:r>
+              <a:rPr lang="en-US" sz="1300" i="0" dirty="0" smtClean="0">
+                <a:solidFill>
+                  <a:schemeClr val="tx1"/>
+                </a:solidFill>
+                <a:latin typeface="Times New Roman" panose="02020603050405020304" pitchFamily="18" charset="0"/>
+                <a:cs typeface="Times New Roman" panose="02020603050405020304" pitchFamily="18" charset="0"/>
+              </a:rPr>
+              <a:t>different models (1 ordinal logistic regression </a:t>
+            </a:r>
+            <a:r>
+              <a:rPr lang="en-US" sz="1300" i="0" dirty="0" smtClean="0">
+                <a:solidFill>
+                  <a:schemeClr val="tx1"/>
+                </a:solidFill>
+                <a:latin typeface="Times New Roman" panose="02020603050405020304" pitchFamily="18" charset="0"/>
+                <a:cs typeface="Times New Roman" panose="02020603050405020304" pitchFamily="18" charset="0"/>
+              </a:rPr>
+              <a:t>model, and 2 regression tree models), </a:t>
+            </a:r>
+            <a:r>
+              <a:rPr lang="en-US" sz="1300" i="0" dirty="0" smtClean="0">
+                <a:solidFill>
+                  <a:schemeClr val="tx1"/>
+                </a:solidFill>
+                <a:latin typeface="Times New Roman" panose="02020603050405020304" pitchFamily="18" charset="0"/>
+                <a:cs typeface="Times New Roman" panose="02020603050405020304" pitchFamily="18" charset="0"/>
+              </a:rPr>
+              <a:t>the </a:t>
+            </a:r>
+            <a:r>
+              <a:rPr lang="en-US" sz="1300" i="0" dirty="0" smtClean="0">
+                <a:solidFill>
+                  <a:schemeClr val="tx1"/>
+                </a:solidFill>
+                <a:latin typeface="Times New Roman" panose="02020603050405020304" pitchFamily="18" charset="0"/>
+                <a:cs typeface="Times New Roman" panose="02020603050405020304" pitchFamily="18" charset="0"/>
+              </a:rPr>
+              <a:t>second regression tree </a:t>
+            </a:r>
+            <a:r>
+              <a:rPr lang="en-US" sz="1300" i="0" dirty="0" smtClean="0">
+                <a:solidFill>
+                  <a:schemeClr val="tx1"/>
+                </a:solidFill>
+                <a:latin typeface="Times New Roman" panose="02020603050405020304" pitchFamily="18" charset="0"/>
+                <a:cs typeface="Times New Roman" panose="02020603050405020304" pitchFamily="18" charset="0"/>
+              </a:rPr>
+              <a:t>model </a:t>
+            </a:r>
+            <a:r>
+              <a:rPr lang="en-US" sz="1300" i="0" dirty="0" smtClean="0">
+                <a:solidFill>
+                  <a:schemeClr val="tx1"/>
+                </a:solidFill>
+                <a:latin typeface="Times New Roman" panose="02020603050405020304" pitchFamily="18" charset="0"/>
+                <a:cs typeface="Times New Roman" panose="02020603050405020304" pitchFamily="18" charset="0"/>
+              </a:rPr>
+              <a:t>which included </a:t>
+            </a:r>
+            <a:r>
+              <a:rPr lang="en-US" sz="1300" i="0" dirty="0">
+                <a:solidFill>
+                  <a:schemeClr val="tx1"/>
+                </a:solidFill>
+                <a:latin typeface="Times New Roman" panose="02020603050405020304" pitchFamily="18" charset="0"/>
+                <a:cs typeface="Times New Roman" panose="02020603050405020304" pitchFamily="18" charset="0"/>
+              </a:rPr>
+              <a:t>Rating, Reviews, Price, </a:t>
+            </a:r>
+            <a:r>
+              <a:rPr lang="en-US" sz="1300" i="0" dirty="0" err="1">
+                <a:solidFill>
+                  <a:schemeClr val="tx1"/>
+                </a:solidFill>
+                <a:latin typeface="Times New Roman" panose="02020603050405020304" pitchFamily="18" charset="0"/>
+                <a:cs typeface="Times New Roman" panose="02020603050405020304" pitchFamily="18" charset="0"/>
+              </a:rPr>
+              <a:t>SizeKB</a:t>
+            </a:r>
+            <a:r>
+              <a:rPr lang="en-US" sz="1300" i="0" dirty="0">
+                <a:solidFill>
+                  <a:schemeClr val="tx1"/>
+                </a:solidFill>
+                <a:latin typeface="Times New Roman" panose="02020603050405020304" pitchFamily="18" charset="0"/>
+                <a:cs typeface="Times New Roman" panose="02020603050405020304" pitchFamily="18" charset="0"/>
+              </a:rPr>
+              <a:t>, and </a:t>
+            </a:r>
+            <a:r>
+              <a:rPr lang="en-US" sz="1300" i="0" dirty="0" err="1" smtClean="0">
+                <a:solidFill>
+                  <a:schemeClr val="tx1"/>
+                </a:solidFill>
+                <a:latin typeface="Times New Roman" panose="02020603050405020304" pitchFamily="18" charset="0"/>
+                <a:cs typeface="Times New Roman" panose="02020603050405020304" pitchFamily="18" charset="0"/>
+              </a:rPr>
+              <a:t>MinimumVer</a:t>
+            </a:r>
+            <a:r>
+              <a:rPr lang="en-US" sz="1300" i="0" dirty="0" smtClean="0">
+                <a:solidFill>
+                  <a:schemeClr val="tx1"/>
+                </a:solidFill>
+                <a:latin typeface="Times New Roman" panose="02020603050405020304" pitchFamily="18" charset="0"/>
+                <a:cs typeface="Times New Roman" panose="02020603050405020304" pitchFamily="18" charset="0"/>
+              </a:rPr>
+              <a:t>, was the best as it gave an accuracy of </a:t>
+            </a:r>
+            <a:r>
+              <a:rPr lang="en-US" sz="1300" i="0" dirty="0" smtClean="0">
+                <a:solidFill>
+                  <a:schemeClr val="tx1"/>
+                </a:solidFill>
+                <a:latin typeface="Times New Roman" panose="02020603050405020304" pitchFamily="18" charset="0"/>
+                <a:cs typeface="Times New Roman" panose="02020603050405020304" pitchFamily="18" charset="0"/>
+              </a:rPr>
+              <a:t>88.9</a:t>
+            </a:r>
+            <a:r>
+              <a:rPr lang="en-US" sz="1300" i="0" dirty="0" smtClean="0">
+                <a:solidFill>
+                  <a:schemeClr val="tx1"/>
+                </a:solidFill>
+                <a:latin typeface="Times New Roman" panose="02020603050405020304" pitchFamily="18" charset="0"/>
+                <a:cs typeface="Times New Roman" panose="02020603050405020304" pitchFamily="18" charset="0"/>
+              </a:rPr>
+              <a:t>%</a:t>
+            </a:r>
+          </a:p>
+          <a:p>
+            <a:pPr marL="171450" indent="-171450" algn="l">
+              <a:lnSpc>
+                <a:spcPct val="200000"/>
+              </a:lnSpc>
+              <a:spcBef>
+                <a:spcPts val="0"/>
+              </a:spcBef>
+              <a:buFont typeface="Arial" pitchFamily="34" charset="0"/>
+              <a:buChar char="•"/>
+            </a:pPr>
+            <a:r>
+              <a:rPr lang="en-US" sz="1300" i="0" dirty="0" smtClean="0">
+                <a:solidFill>
+                  <a:schemeClr val="tx1"/>
+                </a:solidFill>
+                <a:latin typeface="Times New Roman" panose="02020603050405020304" pitchFamily="18" charset="0"/>
+                <a:cs typeface="Times New Roman" panose="02020603050405020304" pitchFamily="18" charset="0"/>
+              </a:rPr>
+              <a:t>The model was however improved after applying cross </a:t>
+            </a:r>
+            <a:r>
+              <a:rPr lang="en-US" sz="1300" i="0" dirty="0" smtClean="0">
+                <a:solidFill>
+                  <a:schemeClr val="tx1"/>
+                </a:solidFill>
+                <a:latin typeface="Times New Roman" panose="02020603050405020304" pitchFamily="18" charset="0"/>
+                <a:cs typeface="Times New Roman" panose="02020603050405020304" pitchFamily="18" charset="0"/>
+              </a:rPr>
+              <a:t>validation, as it </a:t>
+            </a:r>
+            <a:r>
+              <a:rPr lang="en-US" sz="1300" i="0" dirty="0" smtClean="0">
+                <a:solidFill>
+                  <a:schemeClr val="tx1"/>
+                </a:solidFill>
+                <a:latin typeface="Times New Roman" panose="02020603050405020304" pitchFamily="18" charset="0"/>
+                <a:cs typeface="Times New Roman" panose="02020603050405020304" pitchFamily="18" charset="0"/>
+              </a:rPr>
+              <a:t>gave </a:t>
+            </a:r>
+            <a:r>
+              <a:rPr lang="en-US" sz="1300" i="0" dirty="0" smtClean="0">
+                <a:solidFill>
+                  <a:schemeClr val="tx1"/>
+                </a:solidFill>
+                <a:latin typeface="Times New Roman" panose="02020603050405020304" pitchFamily="18" charset="0"/>
+                <a:cs typeface="Times New Roman" panose="02020603050405020304" pitchFamily="18" charset="0"/>
+              </a:rPr>
+              <a:t>a  predictive </a:t>
+            </a:r>
+            <a:r>
+              <a:rPr lang="en-US" sz="1300" i="0" dirty="0" smtClean="0">
+                <a:solidFill>
+                  <a:schemeClr val="tx1"/>
+                </a:solidFill>
+                <a:latin typeface="Times New Roman" panose="02020603050405020304" pitchFamily="18" charset="0"/>
+                <a:cs typeface="Times New Roman" panose="02020603050405020304" pitchFamily="18" charset="0"/>
+              </a:rPr>
+              <a:t>accuracy of </a:t>
+            </a:r>
+            <a:r>
+              <a:rPr lang="en-US" sz="1300" i="0" dirty="0" smtClean="0">
+                <a:solidFill>
+                  <a:schemeClr val="tx1"/>
+                </a:solidFill>
+                <a:latin typeface="Times New Roman" panose="02020603050405020304" pitchFamily="18" charset="0"/>
+                <a:cs typeface="Times New Roman" panose="02020603050405020304" pitchFamily="18" charset="0"/>
+              </a:rPr>
+              <a:t>90.75% </a:t>
+            </a:r>
+          </a:p>
+          <a:p>
+            <a:pPr marL="171450" indent="-171450" algn="l">
+              <a:lnSpc>
+                <a:spcPct val="200000"/>
+              </a:lnSpc>
+              <a:spcBef>
+                <a:spcPts val="0"/>
+              </a:spcBef>
+              <a:buFont typeface="Arial" pitchFamily="34" charset="0"/>
+              <a:buChar char="•"/>
+            </a:pPr>
+            <a:r>
+              <a:rPr lang="en-US" sz="1300" i="0" dirty="0" smtClean="0">
+                <a:solidFill>
+                  <a:schemeClr val="tx1"/>
+                </a:solidFill>
+                <a:latin typeface="Times New Roman" panose="02020603050405020304" pitchFamily="18" charset="0"/>
+                <a:cs typeface="Times New Roman" panose="02020603050405020304" pitchFamily="18" charset="0"/>
+              </a:rPr>
+              <a:t>The final model was a random forest model consisting of all 5 independent variables. This gave  the best predictive accuracy of </a:t>
+            </a:r>
+            <a:r>
+              <a:rPr lang="en-US" sz="1300" i="0" dirty="0">
+                <a:solidFill>
+                  <a:schemeClr val="tx1"/>
+                </a:solidFill>
+                <a:latin typeface="Times New Roman" panose="02020603050405020304" pitchFamily="18" charset="0"/>
+                <a:cs typeface="Times New Roman" panose="02020603050405020304" pitchFamily="18" charset="0"/>
+              </a:rPr>
+              <a:t>91.28. </a:t>
+            </a:r>
+            <a:endParaRPr lang="en-US" sz="1300" i="0" dirty="0" smtClean="0">
+              <a:solidFill>
+                <a:schemeClr val="tx1"/>
+              </a:solidFill>
+              <a:latin typeface="Times New Roman" panose="02020603050405020304" pitchFamily="18" charset="0"/>
+              <a:cs typeface="Times New Roman" panose="02020603050405020304" pitchFamily="18" charset="0"/>
+            </a:endParaRPr>
+          </a:p>
+          <a:p>
+            <a:pPr marL="171450" indent="-171450" algn="l">
+              <a:lnSpc>
+                <a:spcPct val="200000"/>
+              </a:lnSpc>
+              <a:spcBef>
+                <a:spcPts val="0"/>
+              </a:spcBef>
+              <a:buFont typeface="Arial" pitchFamily="34" charset="0"/>
+              <a:buChar char="•"/>
+            </a:pPr>
+            <a:r>
+              <a:rPr lang="en-US" sz="1300" i="0" dirty="0" smtClean="0">
+                <a:solidFill>
+                  <a:schemeClr val="tx1"/>
+                </a:solidFill>
+                <a:latin typeface="Times New Roman" panose="02020603050405020304" pitchFamily="18" charset="0"/>
+                <a:cs typeface="Times New Roman" panose="02020603050405020304" pitchFamily="18" charset="0"/>
+              </a:rPr>
+              <a:t>The </a:t>
+            </a:r>
+            <a:r>
+              <a:rPr lang="en-US" sz="1300" i="0" dirty="0">
+                <a:solidFill>
+                  <a:schemeClr val="tx1"/>
+                </a:solidFill>
+                <a:latin typeface="Times New Roman" panose="02020603050405020304" pitchFamily="18" charset="0"/>
+                <a:cs typeface="Times New Roman" panose="02020603050405020304" pitchFamily="18" charset="0"/>
+              </a:rPr>
+              <a:t>top 3 influences of number of downloads in order of importance are number of reviews, size of app, and app rating</a:t>
+            </a:r>
+            <a:endParaRPr lang="en-US" sz="1300" i="0" dirty="0" smtClean="0">
+              <a:solidFill>
+                <a:schemeClr val="tx1"/>
+              </a:solidFill>
+              <a:latin typeface="Times New Roman" panose="02020603050405020304" pitchFamily="18" charset="0"/>
+              <a:cs typeface="Times New Roman" panose="02020603050405020304" pitchFamily="18" charset="0"/>
+            </a:endParaRPr>
+          </a:p>
+        </p:txBody>
+      </p:sp>
+    </p:spTree>
+    <p:extLst>
+      <p:ext uri="{BB962C8B-B14F-4D97-AF65-F5344CB8AC3E}">
+        <p14:creationId xmlns:p14="http://schemas.microsoft.com/office/powerpoint/2010/main" val="1090979210"/>
+      </p:ext>
+    </p:extLst>
+  </p:cSld>
+  <p:clrMapOvr>
+    <a:masterClrMapping/>
+  </p:clrMapOvr>
+  <mc:AlternateContent xmlns:mc="http://schemas.openxmlformats.org/markup-compatibility/2006" xmlns:p14="http://schemas.microsoft.com/office/powerpoint/2010/main">
+    <mc:Choice Requires="p14">
+      <p:transition spd="slow" p14:dur="1200">
+        <p:dissolve/>
+      </p:transition>
+    </mc:Choice>
+    <mc:Fallback xmlns="">
+      <p:transition spd="slow">
+        <p:dissolve/>
+      </p:transition>
+    </mc:Fallback>
+  </mc:AlternateContent>
+  <p:timing>
+    <p:tnLst>
+      <p:par>
+        <p:cTn id="1" dur="indefinite" restart="never" nodeType="tmRoot">
+          <p:childTnLst>
+            <p:seq concurrent="1" nextAc="seek">
+              <p:cTn id="2" dur="indefinite" nodeType="mainSeq">
+                <p:childTnLst>
+                  <p:par>
+                    <p:cTn id="3" fill="hold">
+                      <p:stCondLst>
+                        <p:cond delay="indefinite"/>
+                      </p:stCondLst>
+                      <p:childTnLst>
+                        <p:par>
+                          <p:cTn id="4" fill="hold">
+                            <p:stCondLst>
+                              <p:cond delay="0"/>
+                            </p:stCondLst>
+                            <p:childTnLst>
+                              <p:par>
+                                <p:cTn id="5" presetID="21" presetClass="entr" presetSubtype="1" fill="hold" grpId="0" nodeType="clickEffect">
+                                  <p:stCondLst>
+                                    <p:cond delay="0"/>
+                                  </p:stCondLst>
+                                  <p:childTnLst>
+                                    <p:set>
+                                      <p:cBhvr>
+                                        <p:cTn id="6" dur="1" fill="hold">
+                                          <p:stCondLst>
+                                            <p:cond delay="0"/>
+                                          </p:stCondLst>
+                                        </p:cTn>
+                                        <p:tgtEl>
+                                          <p:spTgt spid="2"/>
+                                        </p:tgtEl>
+                                        <p:attrNameLst>
+                                          <p:attrName>style.visibility</p:attrName>
+                                        </p:attrNameLst>
+                                      </p:cBhvr>
+                                      <p:to>
+                                        <p:strVal val="visible"/>
+                                      </p:to>
+                                    </p:set>
+                                    <p:animEffect transition="in" filter="wheel(1)">
+                                      <p:cBhvr>
+                                        <p:cTn id="7" dur="2000"/>
+                                        <p:tgtEl>
+                                          <p:spTgt spid="2"/>
+                                        </p:tgtEl>
+                                      </p:cBhvr>
+                                    </p:animEffect>
+                                  </p:childTnLst>
+                                </p:cTn>
+                              </p:par>
+                            </p:childTnLst>
+                          </p:cTn>
+                        </p:par>
+                      </p:childTnLst>
+                    </p:cTn>
+                  </p:par>
+                  <p:par>
+                    <p:cTn id="8" fill="hold">
+                      <p:stCondLst>
+                        <p:cond delay="indefinite"/>
+                      </p:stCondLst>
+                      <p:childTnLst>
+                        <p:par>
+                          <p:cTn id="9" fill="hold">
+                            <p:stCondLst>
+                              <p:cond delay="0"/>
+                            </p:stCondLst>
+                            <p:childTnLst>
+                              <p:par>
+                                <p:cTn id="10" presetID="16" presetClass="entr" presetSubtype="21" fill="hold" grpId="0" nodeType="clickEffect">
+                                  <p:stCondLst>
+                                    <p:cond delay="0"/>
+                                  </p:stCondLst>
+                                  <p:childTnLst>
+                                    <p:set>
+                                      <p:cBhvr>
+                                        <p:cTn id="11" dur="1" fill="hold">
+                                          <p:stCondLst>
+                                            <p:cond delay="0"/>
+                                          </p:stCondLst>
+                                        </p:cTn>
+                                        <p:tgtEl>
+                                          <p:spTgt spid="3">
+                                            <p:txEl>
+                                              <p:pRg st="0" end="0"/>
+                                            </p:txEl>
+                                          </p:spTgt>
+                                        </p:tgtEl>
+                                        <p:attrNameLst>
+                                          <p:attrName>style.visibility</p:attrName>
+                                        </p:attrNameLst>
+                                      </p:cBhvr>
+                                      <p:to>
+                                        <p:strVal val="visible"/>
+                                      </p:to>
+                                    </p:set>
+                                    <p:animEffect transition="in" filter="barn(inVertical)">
+                                      <p:cBhvr>
+                                        <p:cTn id="12" dur="500"/>
+                                        <p:tgtEl>
+                                          <p:spTgt spid="3">
+                                            <p:txEl>
+                                              <p:pRg st="0" end="0"/>
+                                            </p:txEl>
+                                          </p:spTgt>
+                                        </p:tgtEl>
+                                      </p:cBhvr>
+                                    </p:animEffect>
+                                  </p:childTnLst>
+                                </p:cTn>
+                              </p:par>
+                            </p:childTnLst>
+                          </p:cTn>
+                        </p:par>
+                      </p:childTnLst>
+                    </p:cTn>
+                  </p:par>
+                  <p:par>
+                    <p:cTn id="13" fill="hold">
+                      <p:stCondLst>
+                        <p:cond delay="indefinite"/>
+                      </p:stCondLst>
+                      <p:childTnLst>
+                        <p:par>
+                          <p:cTn id="14" fill="hold">
+                            <p:stCondLst>
+                              <p:cond delay="0"/>
+                            </p:stCondLst>
+                            <p:childTnLst>
+                              <p:par>
+                                <p:cTn id="15" presetID="16" presetClass="entr" presetSubtype="21" fill="hold" grpId="0" nodeType="clickEffect">
+                                  <p:stCondLst>
+                                    <p:cond delay="0"/>
+                                  </p:stCondLst>
+                                  <p:childTnLst>
+                                    <p:set>
+                                      <p:cBhvr>
+                                        <p:cTn id="16" dur="1" fill="hold">
+                                          <p:stCondLst>
+                                            <p:cond delay="0"/>
+                                          </p:stCondLst>
+                                        </p:cTn>
+                                        <p:tgtEl>
+                                          <p:spTgt spid="3">
+                                            <p:txEl>
+                                              <p:pRg st="1" end="1"/>
+                                            </p:txEl>
+                                          </p:spTgt>
+                                        </p:tgtEl>
+                                        <p:attrNameLst>
+                                          <p:attrName>style.visibility</p:attrName>
+                                        </p:attrNameLst>
+                                      </p:cBhvr>
+                                      <p:to>
+                                        <p:strVal val="visible"/>
+                                      </p:to>
+                                    </p:set>
+                                    <p:animEffect transition="in" filter="barn(inVertical)">
+                                      <p:cBhvr>
+                                        <p:cTn id="17" dur="500"/>
+                                        <p:tgtEl>
+                                          <p:spTgt spid="3">
+                                            <p:txEl>
+                                              <p:pRg st="1" end="1"/>
+                                            </p:txEl>
+                                          </p:spTgt>
+                                        </p:tgtEl>
+                                      </p:cBhvr>
+                                    </p:animEffect>
+                                  </p:childTnLst>
+                                </p:cTn>
+                              </p:par>
+                            </p:childTnLst>
+                          </p:cTn>
+                        </p:par>
+                      </p:childTnLst>
+                    </p:cTn>
+                  </p:par>
+                  <p:par>
+                    <p:cTn id="18" fill="hold">
+                      <p:stCondLst>
+                        <p:cond delay="indefinite"/>
+                      </p:stCondLst>
+                      <p:childTnLst>
+                        <p:par>
+                          <p:cTn id="19" fill="hold">
+                            <p:stCondLst>
+                              <p:cond delay="0"/>
+                            </p:stCondLst>
+                            <p:childTnLst>
+                              <p:par>
+                                <p:cTn id="20" presetID="16" presetClass="entr" presetSubtype="21" fill="hold" grpId="0" nodeType="clickEffect">
+                                  <p:stCondLst>
+                                    <p:cond delay="0"/>
+                                  </p:stCondLst>
+                                  <p:childTnLst>
+                                    <p:set>
+                                      <p:cBhvr>
+                                        <p:cTn id="21" dur="1" fill="hold">
+                                          <p:stCondLst>
+                                            <p:cond delay="0"/>
+                                          </p:stCondLst>
+                                        </p:cTn>
+                                        <p:tgtEl>
+                                          <p:spTgt spid="3">
+                                            <p:txEl>
+                                              <p:pRg st="2" end="2"/>
+                                            </p:txEl>
+                                          </p:spTgt>
+                                        </p:tgtEl>
+                                        <p:attrNameLst>
+                                          <p:attrName>style.visibility</p:attrName>
+                                        </p:attrNameLst>
+                                      </p:cBhvr>
+                                      <p:to>
+                                        <p:strVal val="visible"/>
+                                      </p:to>
+                                    </p:set>
+                                    <p:animEffect transition="in" filter="barn(inVertical)">
+                                      <p:cBhvr>
+                                        <p:cTn id="22" dur="500"/>
+                                        <p:tgtEl>
+                                          <p:spTgt spid="3">
+                                            <p:txEl>
+                                              <p:pRg st="2" end="2"/>
+                                            </p:txEl>
+                                          </p:spTgt>
+                                        </p:tgtEl>
+                                      </p:cBhvr>
+                                    </p:animEffect>
+                                  </p:childTnLst>
+                                </p:cTn>
+                              </p:par>
+                            </p:childTnLst>
+                          </p:cTn>
+                        </p:par>
+                      </p:childTnLst>
+                    </p:cTn>
+                  </p:par>
+                  <p:par>
+                    <p:cTn id="23" fill="hold">
+                      <p:stCondLst>
+                        <p:cond delay="indefinite"/>
+                      </p:stCondLst>
+                      <p:childTnLst>
+                        <p:par>
+                          <p:cTn id="24" fill="hold">
+                            <p:stCondLst>
+                              <p:cond delay="0"/>
+                            </p:stCondLst>
+                            <p:childTnLst>
+                              <p:par>
+                                <p:cTn id="25" presetID="16" presetClass="entr" presetSubtype="21" fill="hold" grpId="0" nodeType="clickEffect">
+                                  <p:stCondLst>
+                                    <p:cond delay="0"/>
+                                  </p:stCondLst>
+                                  <p:childTnLst>
+                                    <p:set>
+                                      <p:cBhvr>
+                                        <p:cTn id="26" dur="1" fill="hold">
+                                          <p:stCondLst>
+                                            <p:cond delay="0"/>
+                                          </p:stCondLst>
+                                        </p:cTn>
+                                        <p:tgtEl>
+                                          <p:spTgt spid="3">
+                                            <p:txEl>
+                                              <p:pRg st="3" end="3"/>
+                                            </p:txEl>
+                                          </p:spTgt>
+                                        </p:tgtEl>
+                                        <p:attrNameLst>
+                                          <p:attrName>style.visibility</p:attrName>
+                                        </p:attrNameLst>
+                                      </p:cBhvr>
+                                      <p:to>
+                                        <p:strVal val="visible"/>
+                                      </p:to>
+                                    </p:set>
+                                    <p:animEffect transition="in" filter="barn(inVertical)">
+                                      <p:cBhvr>
+                                        <p:cTn id="27" dur="500"/>
+                                        <p:tgtEl>
+                                          <p:spTgt spid="3">
+                                            <p:txEl>
+                                              <p:pRg st="3" end="3"/>
+                                            </p:txEl>
+                                          </p:spTgt>
+                                        </p:tgtEl>
+                                      </p:cBhvr>
+                                    </p:animEffect>
+                                  </p:childTnLst>
+                                </p:cTn>
+                              </p:par>
+                            </p:childTnLst>
+                          </p:cTn>
+                        </p:par>
+                      </p:childTnLst>
+                    </p:cTn>
+                  </p:par>
+                  <p:par>
+                    <p:cTn id="28" fill="hold">
+                      <p:stCondLst>
+                        <p:cond delay="indefinite"/>
+                      </p:stCondLst>
+                      <p:childTnLst>
+                        <p:par>
+                          <p:cTn id="29" fill="hold">
+                            <p:stCondLst>
+                              <p:cond delay="0"/>
+                            </p:stCondLst>
+                            <p:childTnLst>
+                              <p:par>
+                                <p:cTn id="30" presetID="16" presetClass="entr" presetSubtype="21" fill="hold" grpId="0" nodeType="clickEffect">
+                                  <p:stCondLst>
+                                    <p:cond delay="0"/>
+                                  </p:stCondLst>
+                                  <p:childTnLst>
+                                    <p:set>
+                                      <p:cBhvr>
+                                        <p:cTn id="31" dur="1" fill="hold">
+                                          <p:stCondLst>
+                                            <p:cond delay="0"/>
+                                          </p:stCondLst>
+                                        </p:cTn>
+                                        <p:tgtEl>
+                                          <p:spTgt spid="3">
+                                            <p:txEl>
+                                              <p:pRg st="4" end="4"/>
+                                            </p:txEl>
+                                          </p:spTgt>
+                                        </p:tgtEl>
+                                        <p:attrNameLst>
+                                          <p:attrName>style.visibility</p:attrName>
+                                        </p:attrNameLst>
+                                      </p:cBhvr>
+                                      <p:to>
+                                        <p:strVal val="visible"/>
+                                      </p:to>
+                                    </p:set>
+                                    <p:animEffect transition="in" filter="barn(inVertical)">
+                                      <p:cBhvr>
+                                        <p:cTn id="32" dur="500"/>
+                                        <p:tgtEl>
+                                          <p:spTgt spid="3">
+                                            <p:txEl>
+                                              <p:pRg st="4" end="4"/>
+                                            </p:txEl>
+                                          </p:spTgt>
+                                        </p:tgtEl>
+                                      </p:cBhvr>
+                                    </p:animEffect>
+                                  </p:childTnLst>
+                                </p:cTn>
+                              </p:par>
+                            </p:childTnLst>
+                          </p:cTn>
+                        </p:par>
+                      </p:childTnLst>
+                    </p:cTn>
+                  </p:par>
+                </p:childTnLst>
+              </p:cTn>
+              <p:prevCondLst>
+                <p:cond evt="onPrev" delay="0">
+                  <p:tgtEl>
+                    <p:sldTgt/>
+                  </p:tgtEl>
+                </p:cond>
+              </p:prevCondLst>
+              <p:nextCondLst>
+                <p:cond evt="onNext" delay="0">
+                  <p:tgtEl>
+                    <p:sldTgt/>
+                  </p:tgtEl>
+                </p:cond>
+              </p:nextCondLst>
+            </p:seq>
+          </p:childTnLst>
+        </p:cTn>
+      </p:par>
+    </p:tnLst>
+    <p:bldLst>
+      <p:bldP spid="2" grpId="0"/>
+      <p:bldP spid="3" grpId="0" build="p"/>
+    </p:bldLst>
+  </p:timing>
+</p:sld>
+</file>
+
+<file path=ppt/slides/slide25.xml><?xml version="1.0" encoding="utf-8"?>
+<p:sld xmlns:a="http://schemas.openxmlformats.org/drawingml/2006/main" xmlns:r="http://schemas.openxmlformats.org/officeDocument/2006/relationships" xmlns:p="http://schemas.openxmlformats.org/presentationml/2006/main">
+  <p:cSld>
+    <p:spTree>
+      <p:nvGrpSpPr>
+        <p:cNvPr id="1" name=""/>
+        <p:cNvGrpSpPr/>
+        <p:nvPr/>
+      </p:nvGrpSpPr>
+      <p:grpSpPr>
+        <a:xfrm>
+          <a:off x="0" y="0"/>
+          <a:ext cx="0" cy="0"/>
+          <a:chOff x="0" y="0"/>
+          <a:chExt cx="0" cy="0"/>
+        </a:xfrm>
+      </p:grpSpPr>
+      <p:sp>
+        <p:nvSpPr>
+          <p:cNvPr id="2" name="Title 1"/>
+          <p:cNvSpPr>
+            <a:spLocks noGrp="1"/>
+          </p:cNvSpPr>
+          <p:nvPr>
+            <p:ph type="ctrTitle"/>
+          </p:nvPr>
+        </p:nvSpPr>
+        <p:spPr>
+          <a:xfrm>
             <a:off x="1371600" y="2514600"/>
             <a:ext cx="6400800" cy="457200"/>
           </a:xfrm>
@@ -17893,13 +20432,6 @@
               </a:rPr>
               <a:t>https://www.kaggle.com/lava18/google-play-store-apps</a:t>
             </a:r>
-            <a:endParaRPr lang="en-US" sz="1600" i="0" dirty="0">
-              <a:solidFill>
-                <a:schemeClr val="tx1"/>
-              </a:solidFill>
-              <a:latin typeface="Times New Roman" pitchFamily="18" charset="0"/>
-              <a:cs typeface="Times New Roman" pitchFamily="18" charset="0"/>
-            </a:endParaRPr>
           </a:p>
         </p:txBody>
       </p:sp>
@@ -18179,7 +20711,7 @@
 </p:sld>
 </file>
 
-<file path=ppt/slides/slide25.xml><?xml version="1.0" encoding="utf-8"?>
+<file path=ppt/slides/slide26.xml><?xml version="1.0" encoding="utf-8"?>
 <p:sld xmlns:a="http://schemas.openxmlformats.org/drawingml/2006/main" xmlns:r="http://schemas.openxmlformats.org/officeDocument/2006/relationships" xmlns:p="http://schemas.openxmlformats.org/presentationml/2006/main">
   <p:cSld>
     <p:spTree>
@@ -23755,8 +26287,8 @@
                 <a:solidFill>
                   <a:schemeClr val="tx1"/>
                 </a:solidFill>
-                <a:latin typeface="Times New Roman" pitchFamily="18" charset="0"/>
-                <a:cs typeface="Times New Roman" pitchFamily="18" charset="0"/>
+                <a:latin typeface="Times New Roman" panose="02020603050405020304" pitchFamily="18" charset="0"/>
+                <a:cs typeface="Times New Roman" panose="02020603050405020304" pitchFamily="18" charset="0"/>
               </a:rPr>
               <a:t>The Installs variable where compressed into the final target variable (AdjustedInstall2), with small downloads level 1 (0 – 500</a:t>
             </a:r>
@@ -23798,17 +26330,7 @@
                 <a:latin typeface="Times New Roman" pitchFamily="18" charset="0"/>
                 <a:cs typeface="Times New Roman" pitchFamily="18" charset="0"/>
               </a:rPr>
-              <a:t> level </a:t>
-            </a:r>
-            <a:r>
-              <a:rPr lang="en-US" sz="1400" i="0" dirty="0" smtClean="0">
-                <a:solidFill>
-                  <a:schemeClr val="tx1"/>
-                </a:solidFill>
-                <a:latin typeface="Times New Roman" pitchFamily="18" charset="0"/>
-                <a:cs typeface="Times New Roman" pitchFamily="18" charset="0"/>
-              </a:rPr>
-              <a:t>3 (5000000 – 1000000000)</a:t>
+              <a:t> level 3 (5000000 – 1000000000)</a:t>
             </a:r>
             <a:endParaRPr lang="en-US" sz="1400" i="0" dirty="0">
               <a:solidFill>
